--- a/slideshow/Teologia Sistematica y Biblica - Myer Pearlman/Clases/9. Iglesia.pptx
+++ b/slideshow/Teologia Sistematica y Biblica - Myer Pearlman/Clases/9. Iglesia.pptx
@@ -281,7 +281,7 @@
           <a:p>
             <a:fld id="{50DEE611-8BEF-4990-B4F5-91A0FAC492E5}" type="datetimeFigureOut">
               <a:rPr lang="es-VE" smtClean="0"/>
-              <a:t>15/6/2021</a:t>
+              <a:t>18/6/2021</a:t>
             </a:fld>
             <a:endParaRPr lang="es-VE" dirty="0"/>
           </a:p>
@@ -451,7 +451,7 @@
           <a:p>
             <a:fld id="{50DEE611-8BEF-4990-B4F5-91A0FAC492E5}" type="datetimeFigureOut">
               <a:rPr lang="es-VE" smtClean="0"/>
-              <a:t>15/6/2021</a:t>
+              <a:t>18/6/2021</a:t>
             </a:fld>
             <a:endParaRPr lang="es-VE" dirty="0"/>
           </a:p>
@@ -631,7 +631,7 @@
           <a:p>
             <a:fld id="{50DEE611-8BEF-4990-B4F5-91A0FAC492E5}" type="datetimeFigureOut">
               <a:rPr lang="es-VE" smtClean="0"/>
-              <a:t>15/6/2021</a:t>
+              <a:t>18/6/2021</a:t>
             </a:fld>
             <a:endParaRPr lang="es-VE" dirty="0"/>
           </a:p>
@@ -801,7 +801,7 @@
           <a:p>
             <a:fld id="{50DEE611-8BEF-4990-B4F5-91A0FAC492E5}" type="datetimeFigureOut">
               <a:rPr lang="es-VE" smtClean="0"/>
-              <a:t>15/6/2021</a:t>
+              <a:t>18/6/2021</a:t>
             </a:fld>
             <a:endParaRPr lang="es-VE" dirty="0"/>
           </a:p>
@@ -1047,7 +1047,7 @@
           <a:p>
             <a:fld id="{50DEE611-8BEF-4990-B4F5-91A0FAC492E5}" type="datetimeFigureOut">
               <a:rPr lang="es-VE" smtClean="0"/>
-              <a:t>15/6/2021</a:t>
+              <a:t>18/6/2021</a:t>
             </a:fld>
             <a:endParaRPr lang="es-VE" dirty="0"/>
           </a:p>
@@ -1279,7 +1279,7 @@
           <a:p>
             <a:fld id="{50DEE611-8BEF-4990-B4F5-91A0FAC492E5}" type="datetimeFigureOut">
               <a:rPr lang="es-VE" smtClean="0"/>
-              <a:t>15/6/2021</a:t>
+              <a:t>18/6/2021</a:t>
             </a:fld>
             <a:endParaRPr lang="es-VE" dirty="0"/>
           </a:p>
@@ -1646,7 +1646,7 @@
           <a:p>
             <a:fld id="{50DEE611-8BEF-4990-B4F5-91A0FAC492E5}" type="datetimeFigureOut">
               <a:rPr lang="es-VE" smtClean="0"/>
-              <a:t>15/6/2021</a:t>
+              <a:t>18/6/2021</a:t>
             </a:fld>
             <a:endParaRPr lang="es-VE" dirty="0"/>
           </a:p>
@@ -1764,7 +1764,7 @@
           <a:p>
             <a:fld id="{50DEE611-8BEF-4990-B4F5-91A0FAC492E5}" type="datetimeFigureOut">
               <a:rPr lang="es-VE" smtClean="0"/>
-              <a:t>15/6/2021</a:t>
+              <a:t>18/6/2021</a:t>
             </a:fld>
             <a:endParaRPr lang="es-VE" dirty="0"/>
           </a:p>
@@ -1859,7 +1859,7 @@
           <a:p>
             <a:fld id="{50DEE611-8BEF-4990-B4F5-91A0FAC492E5}" type="datetimeFigureOut">
               <a:rPr lang="es-VE" smtClean="0"/>
-              <a:t>15/6/2021</a:t>
+              <a:t>18/6/2021</a:t>
             </a:fld>
             <a:endParaRPr lang="es-VE" dirty="0"/>
           </a:p>
@@ -2136,7 +2136,7 @@
           <a:p>
             <a:fld id="{50DEE611-8BEF-4990-B4F5-91A0FAC492E5}" type="datetimeFigureOut">
               <a:rPr lang="es-VE" smtClean="0"/>
-              <a:t>15/6/2021</a:t>
+              <a:t>18/6/2021</a:t>
             </a:fld>
             <a:endParaRPr lang="es-VE" dirty="0"/>
           </a:p>
@@ -2393,7 +2393,7 @@
           <a:p>
             <a:fld id="{50DEE611-8BEF-4990-B4F5-91A0FAC492E5}" type="datetimeFigureOut">
               <a:rPr lang="es-VE" smtClean="0"/>
-              <a:t>15/6/2021</a:t>
+              <a:t>18/6/2021</a:t>
             </a:fld>
             <a:endParaRPr lang="es-VE" dirty="0"/>
           </a:p>
@@ -2609,7 +2609,7 @@
           <a:p>
             <a:fld id="{50DEE611-8BEF-4990-B4F5-91A0FAC492E5}" type="datetimeFigureOut">
               <a:rPr lang="es-VE" smtClean="0"/>
-              <a:t>15/6/2021</a:t>
+              <a:t>18/6/2021</a:t>
             </a:fld>
             <a:endParaRPr lang="es-VE" dirty="0"/>
           </a:p>
@@ -7829,220 +7829,6 @@
           </a:p>
         </p:txBody>
       </p:sp>
-      <p:sp>
-        <p:nvSpPr>
-          <p:cNvPr id="4" name="Marcador de contenido 2">
-            <a:extLst>
-              <a:ext uri="{FF2B5EF4-FFF2-40B4-BE49-F238E27FC236}">
-                <a16:creationId xmlns:a16="http://schemas.microsoft.com/office/drawing/2014/main" id="{DA04B64E-B36C-4781-BA97-0684629DA5D3}"/>
-              </a:ext>
-            </a:extLst>
-          </p:cNvPr>
-          <p:cNvSpPr txBox="1">
-            <a:spLocks/>
-          </p:cNvSpPr>
-          <p:nvPr/>
-        </p:nvSpPr>
-        <p:spPr>
-          <a:xfrm>
-            <a:off x="228600" y="5181601"/>
-            <a:ext cx="8686800" cy="486210"/>
-          </a:xfrm>
-          <a:prstGeom prst="rect">
-            <a:avLst/>
-          </a:prstGeom>
-        </p:spPr>
-        <p:txBody>
-          <a:bodyPr vert="horz" lIns="91440" tIns="45720" rIns="91440" bIns="45720" rtlCol="0" anchor="ctr">
-            <a:normAutofit/>
-          </a:bodyPr>
-          <a:lstStyle>
-            <a:lvl1pPr marL="171446" indent="-171446" algn="l" defTabSz="685783" rtl="0" eaLnBrk="1" latinLnBrk="0" hangingPunct="1">
-              <a:lnSpc>
-                <a:spcPct val="90000"/>
-              </a:lnSpc>
-              <a:spcBef>
-                <a:spcPts val="751"/>
-              </a:spcBef>
-              <a:buFont typeface="Arial" panose="020B0604020202020204" pitchFamily="34" charset="0"/>
-              <a:buChar char="•"/>
-              <a:defRPr sz="2100" kern="1200">
-                <a:solidFill>
-                  <a:schemeClr val="tx1"/>
-                </a:solidFill>
-                <a:latin typeface="+mn-lt"/>
-                <a:ea typeface="+mn-ea"/>
-                <a:cs typeface="+mn-cs"/>
-              </a:defRPr>
-            </a:lvl1pPr>
-            <a:lvl2pPr marL="514338" indent="-171446" algn="l" defTabSz="685783" rtl="0" eaLnBrk="1" latinLnBrk="0" hangingPunct="1">
-              <a:lnSpc>
-                <a:spcPct val="90000"/>
-              </a:lnSpc>
-              <a:spcBef>
-                <a:spcPts val="375"/>
-              </a:spcBef>
-              <a:buFont typeface="Arial" panose="020B0604020202020204" pitchFamily="34" charset="0"/>
-              <a:buChar char="•"/>
-              <a:defRPr sz="1800" kern="1200">
-                <a:solidFill>
-                  <a:schemeClr val="tx1"/>
-                </a:solidFill>
-                <a:latin typeface="+mn-lt"/>
-                <a:ea typeface="+mn-ea"/>
-                <a:cs typeface="+mn-cs"/>
-              </a:defRPr>
-            </a:lvl2pPr>
-            <a:lvl3pPr marL="857229" indent="-171446" algn="l" defTabSz="685783" rtl="0" eaLnBrk="1" latinLnBrk="0" hangingPunct="1">
-              <a:lnSpc>
-                <a:spcPct val="90000"/>
-              </a:lnSpc>
-              <a:spcBef>
-                <a:spcPts val="375"/>
-              </a:spcBef>
-              <a:buFont typeface="Arial" panose="020B0604020202020204" pitchFamily="34" charset="0"/>
-              <a:buChar char="•"/>
-              <a:defRPr sz="1500" kern="1200">
-                <a:solidFill>
-                  <a:schemeClr val="tx1"/>
-                </a:solidFill>
-                <a:latin typeface="+mn-lt"/>
-                <a:ea typeface="+mn-ea"/>
-                <a:cs typeface="+mn-cs"/>
-              </a:defRPr>
-            </a:lvl3pPr>
-            <a:lvl4pPr marL="1200121" indent="-171446" algn="l" defTabSz="685783" rtl="0" eaLnBrk="1" latinLnBrk="0" hangingPunct="1">
-              <a:lnSpc>
-                <a:spcPct val="90000"/>
-              </a:lnSpc>
-              <a:spcBef>
-                <a:spcPts val="375"/>
-              </a:spcBef>
-              <a:buFont typeface="Arial" panose="020B0604020202020204" pitchFamily="34" charset="0"/>
-              <a:buChar char="•"/>
-              <a:defRPr sz="1351" kern="1200">
-                <a:solidFill>
-                  <a:schemeClr val="tx1"/>
-                </a:solidFill>
-                <a:latin typeface="+mn-lt"/>
-                <a:ea typeface="+mn-ea"/>
-                <a:cs typeface="+mn-cs"/>
-              </a:defRPr>
-            </a:lvl4pPr>
-            <a:lvl5pPr marL="1543012" indent="-171446" algn="l" defTabSz="685783" rtl="0" eaLnBrk="1" latinLnBrk="0" hangingPunct="1">
-              <a:lnSpc>
-                <a:spcPct val="90000"/>
-              </a:lnSpc>
-              <a:spcBef>
-                <a:spcPts val="375"/>
-              </a:spcBef>
-              <a:buFont typeface="Arial" panose="020B0604020202020204" pitchFamily="34" charset="0"/>
-              <a:buChar char="•"/>
-              <a:defRPr sz="1351" kern="1200">
-                <a:solidFill>
-                  <a:schemeClr val="tx1"/>
-                </a:solidFill>
-                <a:latin typeface="+mn-lt"/>
-                <a:ea typeface="+mn-ea"/>
-                <a:cs typeface="+mn-cs"/>
-              </a:defRPr>
-            </a:lvl5pPr>
-            <a:lvl6pPr marL="1885904" indent="-171446" algn="l" defTabSz="685783" rtl="0" eaLnBrk="1" latinLnBrk="0" hangingPunct="1">
-              <a:lnSpc>
-                <a:spcPct val="90000"/>
-              </a:lnSpc>
-              <a:spcBef>
-                <a:spcPts val="375"/>
-              </a:spcBef>
-              <a:buFont typeface="Arial" panose="020B0604020202020204" pitchFamily="34" charset="0"/>
-              <a:buChar char="•"/>
-              <a:defRPr sz="1351" kern="1200">
-                <a:solidFill>
-                  <a:schemeClr val="tx1"/>
-                </a:solidFill>
-                <a:latin typeface="+mn-lt"/>
-                <a:ea typeface="+mn-ea"/>
-                <a:cs typeface="+mn-cs"/>
-              </a:defRPr>
-            </a:lvl6pPr>
-            <a:lvl7pPr marL="2228795" indent="-171446" algn="l" defTabSz="685783" rtl="0" eaLnBrk="1" latinLnBrk="0" hangingPunct="1">
-              <a:lnSpc>
-                <a:spcPct val="90000"/>
-              </a:lnSpc>
-              <a:spcBef>
-                <a:spcPts val="375"/>
-              </a:spcBef>
-              <a:buFont typeface="Arial" panose="020B0604020202020204" pitchFamily="34" charset="0"/>
-              <a:buChar char="•"/>
-              <a:defRPr sz="1351" kern="1200">
-                <a:solidFill>
-                  <a:schemeClr val="tx1"/>
-                </a:solidFill>
-                <a:latin typeface="+mn-lt"/>
-                <a:ea typeface="+mn-ea"/>
-                <a:cs typeface="+mn-cs"/>
-              </a:defRPr>
-            </a:lvl7pPr>
-            <a:lvl8pPr marL="2571686" indent="-171446" algn="l" defTabSz="685783" rtl="0" eaLnBrk="1" latinLnBrk="0" hangingPunct="1">
-              <a:lnSpc>
-                <a:spcPct val="90000"/>
-              </a:lnSpc>
-              <a:spcBef>
-                <a:spcPts val="375"/>
-              </a:spcBef>
-              <a:buFont typeface="Arial" panose="020B0604020202020204" pitchFamily="34" charset="0"/>
-              <a:buChar char="•"/>
-              <a:defRPr sz="1351" kern="1200">
-                <a:solidFill>
-                  <a:schemeClr val="tx1"/>
-                </a:solidFill>
-                <a:latin typeface="+mn-lt"/>
-                <a:ea typeface="+mn-ea"/>
-                <a:cs typeface="+mn-cs"/>
-              </a:defRPr>
-            </a:lvl8pPr>
-            <a:lvl9pPr marL="2914578" indent="-171446" algn="l" defTabSz="685783" rtl="0" eaLnBrk="1" latinLnBrk="0" hangingPunct="1">
-              <a:lnSpc>
-                <a:spcPct val="90000"/>
-              </a:lnSpc>
-              <a:spcBef>
-                <a:spcPts val="375"/>
-              </a:spcBef>
-              <a:buFont typeface="Arial" panose="020B0604020202020204" pitchFamily="34" charset="0"/>
-              <a:buChar char="•"/>
-              <a:defRPr sz="1351" kern="1200">
-                <a:solidFill>
-                  <a:schemeClr val="tx1"/>
-                </a:solidFill>
-                <a:latin typeface="+mn-lt"/>
-                <a:ea typeface="+mn-ea"/>
-                <a:cs typeface="+mn-cs"/>
-              </a:defRPr>
-            </a:lvl9pPr>
-          </a:lstStyle>
-          <a:p>
-            <a:pPr marL="0" lvl="0" indent="0" algn="r">
-              <a:buNone/>
-            </a:pPr>
-            <a:r>
-              <a:rPr lang="es-VE" sz="1800" b="1" dirty="0">
-                <a:solidFill>
-                  <a:srgbClr val="FFC000"/>
-                </a:solidFill>
-              </a:rPr>
-              <a:t>[1] </a:t>
-            </a:r>
-            <a:r>
-              <a:rPr lang="es-VE" sz="1800" dirty="0" err="1"/>
-              <a:t>Hch</a:t>
-            </a:r>
-            <a:r>
-              <a:rPr lang="es-VE" sz="1800" dirty="0"/>
-              <a:t> 8:37</a:t>
-            </a:r>
-          </a:p>
-        </p:txBody>
-      </p:sp>
     </p:spTree>
     <p:extLst>
       <p:ext uri="{BB962C8B-B14F-4D97-AF65-F5344CB8AC3E}">
@@ -8229,220 +8015,6 @@
           </a:p>
         </p:txBody>
       </p:sp>
-      <p:sp>
-        <p:nvSpPr>
-          <p:cNvPr id="4" name="Marcador de contenido 2">
-            <a:extLst>
-              <a:ext uri="{FF2B5EF4-FFF2-40B4-BE49-F238E27FC236}">
-                <a16:creationId xmlns:a16="http://schemas.microsoft.com/office/drawing/2014/main" id="{DA04B64E-B36C-4781-BA97-0684629DA5D3}"/>
-              </a:ext>
-            </a:extLst>
-          </p:cNvPr>
-          <p:cNvSpPr txBox="1">
-            <a:spLocks/>
-          </p:cNvSpPr>
-          <p:nvPr/>
-        </p:nvSpPr>
-        <p:spPr>
-          <a:xfrm>
-            <a:off x="228600" y="5181601"/>
-            <a:ext cx="8686800" cy="486210"/>
-          </a:xfrm>
-          <a:prstGeom prst="rect">
-            <a:avLst/>
-          </a:prstGeom>
-        </p:spPr>
-        <p:txBody>
-          <a:bodyPr vert="horz" lIns="91440" tIns="45720" rIns="91440" bIns="45720" rtlCol="0" anchor="ctr">
-            <a:normAutofit/>
-          </a:bodyPr>
-          <a:lstStyle>
-            <a:lvl1pPr marL="171446" indent="-171446" algn="l" defTabSz="685783" rtl="0" eaLnBrk="1" latinLnBrk="0" hangingPunct="1">
-              <a:lnSpc>
-                <a:spcPct val="90000"/>
-              </a:lnSpc>
-              <a:spcBef>
-                <a:spcPts val="751"/>
-              </a:spcBef>
-              <a:buFont typeface="Arial" panose="020B0604020202020204" pitchFamily="34" charset="0"/>
-              <a:buChar char="•"/>
-              <a:defRPr sz="2100" kern="1200">
-                <a:solidFill>
-                  <a:schemeClr val="tx1"/>
-                </a:solidFill>
-                <a:latin typeface="+mn-lt"/>
-                <a:ea typeface="+mn-ea"/>
-                <a:cs typeface="+mn-cs"/>
-              </a:defRPr>
-            </a:lvl1pPr>
-            <a:lvl2pPr marL="514338" indent="-171446" algn="l" defTabSz="685783" rtl="0" eaLnBrk="1" latinLnBrk="0" hangingPunct="1">
-              <a:lnSpc>
-                <a:spcPct val="90000"/>
-              </a:lnSpc>
-              <a:spcBef>
-                <a:spcPts val="375"/>
-              </a:spcBef>
-              <a:buFont typeface="Arial" panose="020B0604020202020204" pitchFamily="34" charset="0"/>
-              <a:buChar char="•"/>
-              <a:defRPr sz="1800" kern="1200">
-                <a:solidFill>
-                  <a:schemeClr val="tx1"/>
-                </a:solidFill>
-                <a:latin typeface="+mn-lt"/>
-                <a:ea typeface="+mn-ea"/>
-                <a:cs typeface="+mn-cs"/>
-              </a:defRPr>
-            </a:lvl2pPr>
-            <a:lvl3pPr marL="857229" indent="-171446" algn="l" defTabSz="685783" rtl="0" eaLnBrk="1" latinLnBrk="0" hangingPunct="1">
-              <a:lnSpc>
-                <a:spcPct val="90000"/>
-              </a:lnSpc>
-              <a:spcBef>
-                <a:spcPts val="375"/>
-              </a:spcBef>
-              <a:buFont typeface="Arial" panose="020B0604020202020204" pitchFamily="34" charset="0"/>
-              <a:buChar char="•"/>
-              <a:defRPr sz="1500" kern="1200">
-                <a:solidFill>
-                  <a:schemeClr val="tx1"/>
-                </a:solidFill>
-                <a:latin typeface="+mn-lt"/>
-                <a:ea typeface="+mn-ea"/>
-                <a:cs typeface="+mn-cs"/>
-              </a:defRPr>
-            </a:lvl3pPr>
-            <a:lvl4pPr marL="1200121" indent="-171446" algn="l" defTabSz="685783" rtl="0" eaLnBrk="1" latinLnBrk="0" hangingPunct="1">
-              <a:lnSpc>
-                <a:spcPct val="90000"/>
-              </a:lnSpc>
-              <a:spcBef>
-                <a:spcPts val="375"/>
-              </a:spcBef>
-              <a:buFont typeface="Arial" panose="020B0604020202020204" pitchFamily="34" charset="0"/>
-              <a:buChar char="•"/>
-              <a:defRPr sz="1351" kern="1200">
-                <a:solidFill>
-                  <a:schemeClr val="tx1"/>
-                </a:solidFill>
-                <a:latin typeface="+mn-lt"/>
-                <a:ea typeface="+mn-ea"/>
-                <a:cs typeface="+mn-cs"/>
-              </a:defRPr>
-            </a:lvl4pPr>
-            <a:lvl5pPr marL="1543012" indent="-171446" algn="l" defTabSz="685783" rtl="0" eaLnBrk="1" latinLnBrk="0" hangingPunct="1">
-              <a:lnSpc>
-                <a:spcPct val="90000"/>
-              </a:lnSpc>
-              <a:spcBef>
-                <a:spcPts val="375"/>
-              </a:spcBef>
-              <a:buFont typeface="Arial" panose="020B0604020202020204" pitchFamily="34" charset="0"/>
-              <a:buChar char="•"/>
-              <a:defRPr sz="1351" kern="1200">
-                <a:solidFill>
-                  <a:schemeClr val="tx1"/>
-                </a:solidFill>
-                <a:latin typeface="+mn-lt"/>
-                <a:ea typeface="+mn-ea"/>
-                <a:cs typeface="+mn-cs"/>
-              </a:defRPr>
-            </a:lvl5pPr>
-            <a:lvl6pPr marL="1885904" indent="-171446" algn="l" defTabSz="685783" rtl="0" eaLnBrk="1" latinLnBrk="0" hangingPunct="1">
-              <a:lnSpc>
-                <a:spcPct val="90000"/>
-              </a:lnSpc>
-              <a:spcBef>
-                <a:spcPts val="375"/>
-              </a:spcBef>
-              <a:buFont typeface="Arial" panose="020B0604020202020204" pitchFamily="34" charset="0"/>
-              <a:buChar char="•"/>
-              <a:defRPr sz="1351" kern="1200">
-                <a:solidFill>
-                  <a:schemeClr val="tx1"/>
-                </a:solidFill>
-                <a:latin typeface="+mn-lt"/>
-                <a:ea typeface="+mn-ea"/>
-                <a:cs typeface="+mn-cs"/>
-              </a:defRPr>
-            </a:lvl6pPr>
-            <a:lvl7pPr marL="2228795" indent="-171446" algn="l" defTabSz="685783" rtl="0" eaLnBrk="1" latinLnBrk="0" hangingPunct="1">
-              <a:lnSpc>
-                <a:spcPct val="90000"/>
-              </a:lnSpc>
-              <a:spcBef>
-                <a:spcPts val="375"/>
-              </a:spcBef>
-              <a:buFont typeface="Arial" panose="020B0604020202020204" pitchFamily="34" charset="0"/>
-              <a:buChar char="•"/>
-              <a:defRPr sz="1351" kern="1200">
-                <a:solidFill>
-                  <a:schemeClr val="tx1"/>
-                </a:solidFill>
-                <a:latin typeface="+mn-lt"/>
-                <a:ea typeface="+mn-ea"/>
-                <a:cs typeface="+mn-cs"/>
-              </a:defRPr>
-            </a:lvl7pPr>
-            <a:lvl8pPr marL="2571686" indent="-171446" algn="l" defTabSz="685783" rtl="0" eaLnBrk="1" latinLnBrk="0" hangingPunct="1">
-              <a:lnSpc>
-                <a:spcPct val="90000"/>
-              </a:lnSpc>
-              <a:spcBef>
-                <a:spcPts val="375"/>
-              </a:spcBef>
-              <a:buFont typeface="Arial" panose="020B0604020202020204" pitchFamily="34" charset="0"/>
-              <a:buChar char="•"/>
-              <a:defRPr sz="1351" kern="1200">
-                <a:solidFill>
-                  <a:schemeClr val="tx1"/>
-                </a:solidFill>
-                <a:latin typeface="+mn-lt"/>
-                <a:ea typeface="+mn-ea"/>
-                <a:cs typeface="+mn-cs"/>
-              </a:defRPr>
-            </a:lvl8pPr>
-            <a:lvl9pPr marL="2914578" indent="-171446" algn="l" defTabSz="685783" rtl="0" eaLnBrk="1" latinLnBrk="0" hangingPunct="1">
-              <a:lnSpc>
-                <a:spcPct val="90000"/>
-              </a:lnSpc>
-              <a:spcBef>
-                <a:spcPts val="375"/>
-              </a:spcBef>
-              <a:buFont typeface="Arial" panose="020B0604020202020204" pitchFamily="34" charset="0"/>
-              <a:buChar char="•"/>
-              <a:defRPr sz="1351" kern="1200">
-                <a:solidFill>
-                  <a:schemeClr val="tx1"/>
-                </a:solidFill>
-                <a:latin typeface="+mn-lt"/>
-                <a:ea typeface="+mn-ea"/>
-                <a:cs typeface="+mn-cs"/>
-              </a:defRPr>
-            </a:lvl9pPr>
-          </a:lstStyle>
-          <a:p>
-            <a:pPr marL="0" lvl="0" indent="0" algn="r">
-              <a:buNone/>
-            </a:pPr>
-            <a:r>
-              <a:rPr lang="es-VE" sz="1800" b="1" dirty="0">
-                <a:solidFill>
-                  <a:srgbClr val="FFC000"/>
-                </a:solidFill>
-              </a:rPr>
-              <a:t>[1] </a:t>
-            </a:r>
-            <a:r>
-              <a:rPr lang="es-VE" sz="1800" dirty="0" err="1"/>
-              <a:t>Hch</a:t>
-            </a:r>
-            <a:r>
-              <a:rPr lang="es-VE" sz="1800" dirty="0"/>
-              <a:t> 8:37</a:t>
-            </a:r>
-          </a:p>
-        </p:txBody>
-      </p:sp>
     </p:spTree>
     <p:extLst>
       <p:ext uri="{BB962C8B-B14F-4D97-AF65-F5344CB8AC3E}">
@@ -8611,220 +8183,6 @@
           </a:p>
         </p:txBody>
       </p:sp>
-      <p:sp>
-        <p:nvSpPr>
-          <p:cNvPr id="4" name="Marcador de contenido 2">
-            <a:extLst>
-              <a:ext uri="{FF2B5EF4-FFF2-40B4-BE49-F238E27FC236}">
-                <a16:creationId xmlns:a16="http://schemas.microsoft.com/office/drawing/2014/main" id="{DA04B64E-B36C-4781-BA97-0684629DA5D3}"/>
-              </a:ext>
-            </a:extLst>
-          </p:cNvPr>
-          <p:cNvSpPr txBox="1">
-            <a:spLocks/>
-          </p:cNvSpPr>
-          <p:nvPr/>
-        </p:nvSpPr>
-        <p:spPr>
-          <a:xfrm>
-            <a:off x="228600" y="5181601"/>
-            <a:ext cx="8686800" cy="486210"/>
-          </a:xfrm>
-          <a:prstGeom prst="rect">
-            <a:avLst/>
-          </a:prstGeom>
-        </p:spPr>
-        <p:txBody>
-          <a:bodyPr vert="horz" lIns="91440" tIns="45720" rIns="91440" bIns="45720" rtlCol="0" anchor="ctr">
-            <a:normAutofit/>
-          </a:bodyPr>
-          <a:lstStyle>
-            <a:lvl1pPr marL="171446" indent="-171446" algn="l" defTabSz="685783" rtl="0" eaLnBrk="1" latinLnBrk="0" hangingPunct="1">
-              <a:lnSpc>
-                <a:spcPct val="90000"/>
-              </a:lnSpc>
-              <a:spcBef>
-                <a:spcPts val="751"/>
-              </a:spcBef>
-              <a:buFont typeface="Arial" panose="020B0604020202020204" pitchFamily="34" charset="0"/>
-              <a:buChar char="•"/>
-              <a:defRPr sz="2100" kern="1200">
-                <a:solidFill>
-                  <a:schemeClr val="tx1"/>
-                </a:solidFill>
-                <a:latin typeface="+mn-lt"/>
-                <a:ea typeface="+mn-ea"/>
-                <a:cs typeface="+mn-cs"/>
-              </a:defRPr>
-            </a:lvl1pPr>
-            <a:lvl2pPr marL="514338" indent="-171446" algn="l" defTabSz="685783" rtl="0" eaLnBrk="1" latinLnBrk="0" hangingPunct="1">
-              <a:lnSpc>
-                <a:spcPct val="90000"/>
-              </a:lnSpc>
-              <a:spcBef>
-                <a:spcPts val="375"/>
-              </a:spcBef>
-              <a:buFont typeface="Arial" panose="020B0604020202020204" pitchFamily="34" charset="0"/>
-              <a:buChar char="•"/>
-              <a:defRPr sz="1800" kern="1200">
-                <a:solidFill>
-                  <a:schemeClr val="tx1"/>
-                </a:solidFill>
-                <a:latin typeface="+mn-lt"/>
-                <a:ea typeface="+mn-ea"/>
-                <a:cs typeface="+mn-cs"/>
-              </a:defRPr>
-            </a:lvl2pPr>
-            <a:lvl3pPr marL="857229" indent="-171446" algn="l" defTabSz="685783" rtl="0" eaLnBrk="1" latinLnBrk="0" hangingPunct="1">
-              <a:lnSpc>
-                <a:spcPct val="90000"/>
-              </a:lnSpc>
-              <a:spcBef>
-                <a:spcPts val="375"/>
-              </a:spcBef>
-              <a:buFont typeface="Arial" panose="020B0604020202020204" pitchFamily="34" charset="0"/>
-              <a:buChar char="•"/>
-              <a:defRPr sz="1500" kern="1200">
-                <a:solidFill>
-                  <a:schemeClr val="tx1"/>
-                </a:solidFill>
-                <a:latin typeface="+mn-lt"/>
-                <a:ea typeface="+mn-ea"/>
-                <a:cs typeface="+mn-cs"/>
-              </a:defRPr>
-            </a:lvl3pPr>
-            <a:lvl4pPr marL="1200121" indent="-171446" algn="l" defTabSz="685783" rtl="0" eaLnBrk="1" latinLnBrk="0" hangingPunct="1">
-              <a:lnSpc>
-                <a:spcPct val="90000"/>
-              </a:lnSpc>
-              <a:spcBef>
-                <a:spcPts val="375"/>
-              </a:spcBef>
-              <a:buFont typeface="Arial" panose="020B0604020202020204" pitchFamily="34" charset="0"/>
-              <a:buChar char="•"/>
-              <a:defRPr sz="1351" kern="1200">
-                <a:solidFill>
-                  <a:schemeClr val="tx1"/>
-                </a:solidFill>
-                <a:latin typeface="+mn-lt"/>
-                <a:ea typeface="+mn-ea"/>
-                <a:cs typeface="+mn-cs"/>
-              </a:defRPr>
-            </a:lvl4pPr>
-            <a:lvl5pPr marL="1543012" indent="-171446" algn="l" defTabSz="685783" rtl="0" eaLnBrk="1" latinLnBrk="0" hangingPunct="1">
-              <a:lnSpc>
-                <a:spcPct val="90000"/>
-              </a:lnSpc>
-              <a:spcBef>
-                <a:spcPts val="375"/>
-              </a:spcBef>
-              <a:buFont typeface="Arial" panose="020B0604020202020204" pitchFamily="34" charset="0"/>
-              <a:buChar char="•"/>
-              <a:defRPr sz="1351" kern="1200">
-                <a:solidFill>
-                  <a:schemeClr val="tx1"/>
-                </a:solidFill>
-                <a:latin typeface="+mn-lt"/>
-                <a:ea typeface="+mn-ea"/>
-                <a:cs typeface="+mn-cs"/>
-              </a:defRPr>
-            </a:lvl5pPr>
-            <a:lvl6pPr marL="1885904" indent="-171446" algn="l" defTabSz="685783" rtl="0" eaLnBrk="1" latinLnBrk="0" hangingPunct="1">
-              <a:lnSpc>
-                <a:spcPct val="90000"/>
-              </a:lnSpc>
-              <a:spcBef>
-                <a:spcPts val="375"/>
-              </a:spcBef>
-              <a:buFont typeface="Arial" panose="020B0604020202020204" pitchFamily="34" charset="0"/>
-              <a:buChar char="•"/>
-              <a:defRPr sz="1351" kern="1200">
-                <a:solidFill>
-                  <a:schemeClr val="tx1"/>
-                </a:solidFill>
-                <a:latin typeface="+mn-lt"/>
-                <a:ea typeface="+mn-ea"/>
-                <a:cs typeface="+mn-cs"/>
-              </a:defRPr>
-            </a:lvl6pPr>
-            <a:lvl7pPr marL="2228795" indent="-171446" algn="l" defTabSz="685783" rtl="0" eaLnBrk="1" latinLnBrk="0" hangingPunct="1">
-              <a:lnSpc>
-                <a:spcPct val="90000"/>
-              </a:lnSpc>
-              <a:spcBef>
-                <a:spcPts val="375"/>
-              </a:spcBef>
-              <a:buFont typeface="Arial" panose="020B0604020202020204" pitchFamily="34" charset="0"/>
-              <a:buChar char="•"/>
-              <a:defRPr sz="1351" kern="1200">
-                <a:solidFill>
-                  <a:schemeClr val="tx1"/>
-                </a:solidFill>
-                <a:latin typeface="+mn-lt"/>
-                <a:ea typeface="+mn-ea"/>
-                <a:cs typeface="+mn-cs"/>
-              </a:defRPr>
-            </a:lvl7pPr>
-            <a:lvl8pPr marL="2571686" indent="-171446" algn="l" defTabSz="685783" rtl="0" eaLnBrk="1" latinLnBrk="0" hangingPunct="1">
-              <a:lnSpc>
-                <a:spcPct val="90000"/>
-              </a:lnSpc>
-              <a:spcBef>
-                <a:spcPts val="375"/>
-              </a:spcBef>
-              <a:buFont typeface="Arial" panose="020B0604020202020204" pitchFamily="34" charset="0"/>
-              <a:buChar char="•"/>
-              <a:defRPr sz="1351" kern="1200">
-                <a:solidFill>
-                  <a:schemeClr val="tx1"/>
-                </a:solidFill>
-                <a:latin typeface="+mn-lt"/>
-                <a:ea typeface="+mn-ea"/>
-                <a:cs typeface="+mn-cs"/>
-              </a:defRPr>
-            </a:lvl8pPr>
-            <a:lvl9pPr marL="2914578" indent="-171446" algn="l" defTabSz="685783" rtl="0" eaLnBrk="1" latinLnBrk="0" hangingPunct="1">
-              <a:lnSpc>
-                <a:spcPct val="90000"/>
-              </a:lnSpc>
-              <a:spcBef>
-                <a:spcPts val="375"/>
-              </a:spcBef>
-              <a:buFont typeface="Arial" panose="020B0604020202020204" pitchFamily="34" charset="0"/>
-              <a:buChar char="•"/>
-              <a:defRPr sz="1351" kern="1200">
-                <a:solidFill>
-                  <a:schemeClr val="tx1"/>
-                </a:solidFill>
-                <a:latin typeface="+mn-lt"/>
-                <a:ea typeface="+mn-ea"/>
-                <a:cs typeface="+mn-cs"/>
-              </a:defRPr>
-            </a:lvl9pPr>
-          </a:lstStyle>
-          <a:p>
-            <a:pPr marL="0" lvl="0" indent="0" algn="r">
-              <a:buNone/>
-            </a:pPr>
-            <a:r>
-              <a:rPr lang="es-VE" sz="1800" b="1" dirty="0">
-                <a:solidFill>
-                  <a:srgbClr val="FFC000"/>
-                </a:solidFill>
-              </a:rPr>
-              <a:t>[1] </a:t>
-            </a:r>
-            <a:r>
-              <a:rPr lang="es-VE" sz="1800" dirty="0" err="1"/>
-              <a:t>Hch</a:t>
-            </a:r>
-            <a:r>
-              <a:rPr lang="es-VE" sz="1800" dirty="0"/>
-              <a:t> 8:37</a:t>
-            </a:r>
-          </a:p>
-        </p:txBody>
-      </p:sp>
     </p:spTree>
     <p:extLst>
       <p:ext uri="{BB962C8B-B14F-4D97-AF65-F5344CB8AC3E}">
@@ -9001,220 +8359,6 @@
                 <a:srgbClr val="F2F2F2"/>
               </a:solidFill>
             </a:endParaRPr>
-          </a:p>
-        </p:txBody>
-      </p:sp>
-      <p:sp>
-        <p:nvSpPr>
-          <p:cNvPr id="4" name="Marcador de contenido 2">
-            <a:extLst>
-              <a:ext uri="{FF2B5EF4-FFF2-40B4-BE49-F238E27FC236}">
-                <a16:creationId xmlns:a16="http://schemas.microsoft.com/office/drawing/2014/main" id="{DA04B64E-B36C-4781-BA97-0684629DA5D3}"/>
-              </a:ext>
-            </a:extLst>
-          </p:cNvPr>
-          <p:cNvSpPr txBox="1">
-            <a:spLocks/>
-          </p:cNvSpPr>
-          <p:nvPr/>
-        </p:nvSpPr>
-        <p:spPr>
-          <a:xfrm>
-            <a:off x="228600" y="5181601"/>
-            <a:ext cx="8686800" cy="486210"/>
-          </a:xfrm>
-          <a:prstGeom prst="rect">
-            <a:avLst/>
-          </a:prstGeom>
-        </p:spPr>
-        <p:txBody>
-          <a:bodyPr vert="horz" lIns="91440" tIns="45720" rIns="91440" bIns="45720" rtlCol="0" anchor="ctr">
-            <a:normAutofit/>
-          </a:bodyPr>
-          <a:lstStyle>
-            <a:lvl1pPr marL="171446" indent="-171446" algn="l" defTabSz="685783" rtl="0" eaLnBrk="1" latinLnBrk="0" hangingPunct="1">
-              <a:lnSpc>
-                <a:spcPct val="90000"/>
-              </a:lnSpc>
-              <a:spcBef>
-                <a:spcPts val="751"/>
-              </a:spcBef>
-              <a:buFont typeface="Arial" panose="020B0604020202020204" pitchFamily="34" charset="0"/>
-              <a:buChar char="•"/>
-              <a:defRPr sz="2100" kern="1200">
-                <a:solidFill>
-                  <a:schemeClr val="tx1"/>
-                </a:solidFill>
-                <a:latin typeface="+mn-lt"/>
-                <a:ea typeface="+mn-ea"/>
-                <a:cs typeface="+mn-cs"/>
-              </a:defRPr>
-            </a:lvl1pPr>
-            <a:lvl2pPr marL="514338" indent="-171446" algn="l" defTabSz="685783" rtl="0" eaLnBrk="1" latinLnBrk="0" hangingPunct="1">
-              <a:lnSpc>
-                <a:spcPct val="90000"/>
-              </a:lnSpc>
-              <a:spcBef>
-                <a:spcPts val="375"/>
-              </a:spcBef>
-              <a:buFont typeface="Arial" panose="020B0604020202020204" pitchFamily="34" charset="0"/>
-              <a:buChar char="•"/>
-              <a:defRPr sz="1800" kern="1200">
-                <a:solidFill>
-                  <a:schemeClr val="tx1"/>
-                </a:solidFill>
-                <a:latin typeface="+mn-lt"/>
-                <a:ea typeface="+mn-ea"/>
-                <a:cs typeface="+mn-cs"/>
-              </a:defRPr>
-            </a:lvl2pPr>
-            <a:lvl3pPr marL="857229" indent="-171446" algn="l" defTabSz="685783" rtl="0" eaLnBrk="1" latinLnBrk="0" hangingPunct="1">
-              <a:lnSpc>
-                <a:spcPct val="90000"/>
-              </a:lnSpc>
-              <a:spcBef>
-                <a:spcPts val="375"/>
-              </a:spcBef>
-              <a:buFont typeface="Arial" panose="020B0604020202020204" pitchFamily="34" charset="0"/>
-              <a:buChar char="•"/>
-              <a:defRPr sz="1500" kern="1200">
-                <a:solidFill>
-                  <a:schemeClr val="tx1"/>
-                </a:solidFill>
-                <a:latin typeface="+mn-lt"/>
-                <a:ea typeface="+mn-ea"/>
-                <a:cs typeface="+mn-cs"/>
-              </a:defRPr>
-            </a:lvl3pPr>
-            <a:lvl4pPr marL="1200121" indent="-171446" algn="l" defTabSz="685783" rtl="0" eaLnBrk="1" latinLnBrk="0" hangingPunct="1">
-              <a:lnSpc>
-                <a:spcPct val="90000"/>
-              </a:lnSpc>
-              <a:spcBef>
-                <a:spcPts val="375"/>
-              </a:spcBef>
-              <a:buFont typeface="Arial" panose="020B0604020202020204" pitchFamily="34" charset="0"/>
-              <a:buChar char="•"/>
-              <a:defRPr sz="1351" kern="1200">
-                <a:solidFill>
-                  <a:schemeClr val="tx1"/>
-                </a:solidFill>
-                <a:latin typeface="+mn-lt"/>
-                <a:ea typeface="+mn-ea"/>
-                <a:cs typeface="+mn-cs"/>
-              </a:defRPr>
-            </a:lvl4pPr>
-            <a:lvl5pPr marL="1543012" indent="-171446" algn="l" defTabSz="685783" rtl="0" eaLnBrk="1" latinLnBrk="0" hangingPunct="1">
-              <a:lnSpc>
-                <a:spcPct val="90000"/>
-              </a:lnSpc>
-              <a:spcBef>
-                <a:spcPts val="375"/>
-              </a:spcBef>
-              <a:buFont typeface="Arial" panose="020B0604020202020204" pitchFamily="34" charset="0"/>
-              <a:buChar char="•"/>
-              <a:defRPr sz="1351" kern="1200">
-                <a:solidFill>
-                  <a:schemeClr val="tx1"/>
-                </a:solidFill>
-                <a:latin typeface="+mn-lt"/>
-                <a:ea typeface="+mn-ea"/>
-                <a:cs typeface="+mn-cs"/>
-              </a:defRPr>
-            </a:lvl5pPr>
-            <a:lvl6pPr marL="1885904" indent="-171446" algn="l" defTabSz="685783" rtl="0" eaLnBrk="1" latinLnBrk="0" hangingPunct="1">
-              <a:lnSpc>
-                <a:spcPct val="90000"/>
-              </a:lnSpc>
-              <a:spcBef>
-                <a:spcPts val="375"/>
-              </a:spcBef>
-              <a:buFont typeface="Arial" panose="020B0604020202020204" pitchFamily="34" charset="0"/>
-              <a:buChar char="•"/>
-              <a:defRPr sz="1351" kern="1200">
-                <a:solidFill>
-                  <a:schemeClr val="tx1"/>
-                </a:solidFill>
-                <a:latin typeface="+mn-lt"/>
-                <a:ea typeface="+mn-ea"/>
-                <a:cs typeface="+mn-cs"/>
-              </a:defRPr>
-            </a:lvl6pPr>
-            <a:lvl7pPr marL="2228795" indent="-171446" algn="l" defTabSz="685783" rtl="0" eaLnBrk="1" latinLnBrk="0" hangingPunct="1">
-              <a:lnSpc>
-                <a:spcPct val="90000"/>
-              </a:lnSpc>
-              <a:spcBef>
-                <a:spcPts val="375"/>
-              </a:spcBef>
-              <a:buFont typeface="Arial" panose="020B0604020202020204" pitchFamily="34" charset="0"/>
-              <a:buChar char="•"/>
-              <a:defRPr sz="1351" kern="1200">
-                <a:solidFill>
-                  <a:schemeClr val="tx1"/>
-                </a:solidFill>
-                <a:latin typeface="+mn-lt"/>
-                <a:ea typeface="+mn-ea"/>
-                <a:cs typeface="+mn-cs"/>
-              </a:defRPr>
-            </a:lvl7pPr>
-            <a:lvl8pPr marL="2571686" indent="-171446" algn="l" defTabSz="685783" rtl="0" eaLnBrk="1" latinLnBrk="0" hangingPunct="1">
-              <a:lnSpc>
-                <a:spcPct val="90000"/>
-              </a:lnSpc>
-              <a:spcBef>
-                <a:spcPts val="375"/>
-              </a:spcBef>
-              <a:buFont typeface="Arial" panose="020B0604020202020204" pitchFamily="34" charset="0"/>
-              <a:buChar char="•"/>
-              <a:defRPr sz="1351" kern="1200">
-                <a:solidFill>
-                  <a:schemeClr val="tx1"/>
-                </a:solidFill>
-                <a:latin typeface="+mn-lt"/>
-                <a:ea typeface="+mn-ea"/>
-                <a:cs typeface="+mn-cs"/>
-              </a:defRPr>
-            </a:lvl8pPr>
-            <a:lvl9pPr marL="2914578" indent="-171446" algn="l" defTabSz="685783" rtl="0" eaLnBrk="1" latinLnBrk="0" hangingPunct="1">
-              <a:lnSpc>
-                <a:spcPct val="90000"/>
-              </a:lnSpc>
-              <a:spcBef>
-                <a:spcPts val="375"/>
-              </a:spcBef>
-              <a:buFont typeface="Arial" panose="020B0604020202020204" pitchFamily="34" charset="0"/>
-              <a:buChar char="•"/>
-              <a:defRPr sz="1351" kern="1200">
-                <a:solidFill>
-                  <a:schemeClr val="tx1"/>
-                </a:solidFill>
-                <a:latin typeface="+mn-lt"/>
-                <a:ea typeface="+mn-ea"/>
-                <a:cs typeface="+mn-cs"/>
-              </a:defRPr>
-            </a:lvl9pPr>
-          </a:lstStyle>
-          <a:p>
-            <a:pPr marL="0" lvl="0" indent="0" algn="r">
-              <a:buNone/>
-            </a:pPr>
-            <a:r>
-              <a:rPr lang="es-VE" sz="1800" b="1" dirty="0">
-                <a:solidFill>
-                  <a:srgbClr val="FFC000"/>
-                </a:solidFill>
-              </a:rPr>
-              <a:t>[1] </a:t>
-            </a:r>
-            <a:r>
-              <a:rPr lang="es-VE" sz="1800" dirty="0" err="1"/>
-              <a:t>Hch</a:t>
-            </a:r>
-            <a:r>
-              <a:rPr lang="es-VE" sz="1800" dirty="0"/>
-              <a:t> 8:37</a:t>
-            </a:r>
           </a:p>
         </p:txBody>
       </p:sp>

--- a/slideshow/Teologia Sistematica y Biblica - Myer Pearlman/Clases/9. Iglesia.pptx
+++ b/slideshow/Teologia Sistematica y Biblica - Myer Pearlman/Clases/9. Iglesia.pptx
@@ -2,7 +2,7 @@
 <file path=ppt/presentation.xml><?xml version="1.0" encoding="utf-8"?>
 <p:presentation xmlns:a="http://schemas.openxmlformats.org/drawingml/2006/main" xmlns:r="http://schemas.openxmlformats.org/officeDocument/2006/relationships" xmlns:p="http://schemas.openxmlformats.org/presentationml/2006/main" saveSubsetFonts="1">
   <p:sldMasterIdLst>
-    <p:sldMasterId id="2147483672" r:id="rId1"/>
+    <p:sldMasterId id="2147483684" r:id="rId1"/>
   </p:sldMasterIdLst>
   <p:sldIdLst>
     <p:sldId id="256" r:id="rId2"/>
@@ -34,7 +34,7 @@
     <p:sldId id="350" r:id="rId28"/>
     <p:sldId id="351" r:id="rId29"/>
   </p:sldIdLst>
-  <p:sldSz cx="9144000" cy="5715000" type="screen16x10"/>
+  <p:sldSz cx="10160000" cy="5715000"/>
   <p:notesSz cx="6858000" cy="9144000"/>
   <p:defaultTextStyle>
     <a:defPPr>
@@ -134,12 +134,12 @@
   <p:extLst>
     <p:ext uri="{EFAFB233-063F-42B5-8137-9DF3F51BA10A}">
       <p15:sldGuideLst xmlns:p15="http://schemas.microsoft.com/office/powerpoint/2012/main">
-        <p15:guide id="1" orient="horz" pos="1800">
+        <p15:guide id="1" orient="horz" pos="1800" userDrawn="1">
           <p15:clr>
             <a:srgbClr val="A4A3A4"/>
           </p15:clr>
         </p15:guide>
-        <p15:guide id="2" pos="2880">
+        <p15:guide id="2" pos="3200" userDrawn="1">
           <p15:clr>
             <a:srgbClr val="A4A3A4"/>
           </p15:clr>
@@ -179,15 +179,15 @@
         </p:nvSpPr>
         <p:spPr>
           <a:xfrm>
-            <a:off x="1143000" y="935303"/>
-            <a:ext cx="6858000" cy="1989667"/>
+            <a:off x="1270000" y="935302"/>
+            <a:ext cx="7620000" cy="1989667"/>
           </a:xfrm>
         </p:spPr>
         <p:txBody>
           <a:bodyPr anchor="b"/>
           <a:lstStyle>
             <a:lvl1pPr algn="ctr">
-              <a:defRPr sz="4500"/>
+              <a:defRPr sz="5000"/>
             </a:lvl1pPr>
           </a:lstStyle>
           <a:p>
@@ -211,8 +211,8 @@
         </p:nvSpPr>
         <p:spPr>
           <a:xfrm>
-            <a:off x="1143000" y="3001698"/>
-            <a:ext cx="6858000" cy="1379802"/>
+            <a:off x="1270000" y="3001698"/>
+            <a:ext cx="7620000" cy="1379802"/>
           </a:xfrm>
         </p:spPr>
         <p:txBody>
@@ -220,39 +220,39 @@
           <a:lstStyle>
             <a:lvl1pPr marL="0" indent="0" algn="ctr">
               <a:buNone/>
-              <a:defRPr sz="1800"/>
+              <a:defRPr sz="2000"/>
             </a:lvl1pPr>
-            <a:lvl2pPr marL="342891" indent="0" algn="ctr">
+            <a:lvl2pPr marL="380985" indent="0" algn="ctr">
+              <a:buNone/>
+              <a:defRPr sz="1667"/>
+            </a:lvl2pPr>
+            <a:lvl3pPr marL="761970" indent="0" algn="ctr">
               <a:buNone/>
               <a:defRPr sz="1500"/>
-            </a:lvl2pPr>
-            <a:lvl3pPr marL="685783" indent="0" algn="ctr">
-              <a:buNone/>
-              <a:defRPr sz="1351"/>
             </a:lvl3pPr>
-            <a:lvl4pPr marL="1028674" indent="0" algn="ctr">
-              <a:buNone/>
-              <a:defRPr sz="1200"/>
+            <a:lvl4pPr marL="1142954" indent="0" algn="ctr">
+              <a:buNone/>
+              <a:defRPr sz="1333"/>
             </a:lvl4pPr>
-            <a:lvl5pPr marL="1371566" indent="0" algn="ctr">
-              <a:buNone/>
-              <a:defRPr sz="1200"/>
+            <a:lvl5pPr marL="1523939" indent="0" algn="ctr">
+              <a:buNone/>
+              <a:defRPr sz="1333"/>
             </a:lvl5pPr>
-            <a:lvl6pPr marL="1714457" indent="0" algn="ctr">
-              <a:buNone/>
-              <a:defRPr sz="1200"/>
+            <a:lvl6pPr marL="1904924" indent="0" algn="ctr">
+              <a:buNone/>
+              <a:defRPr sz="1333"/>
             </a:lvl6pPr>
-            <a:lvl7pPr marL="2057349" indent="0" algn="ctr">
-              <a:buNone/>
-              <a:defRPr sz="1200"/>
+            <a:lvl7pPr marL="2285909" indent="0" algn="ctr">
+              <a:buNone/>
+              <a:defRPr sz="1333"/>
             </a:lvl7pPr>
-            <a:lvl8pPr marL="2400240" indent="0" algn="ctr">
-              <a:buNone/>
-              <a:defRPr sz="1200"/>
+            <a:lvl8pPr marL="2666893" indent="0" algn="ctr">
+              <a:buNone/>
+              <a:defRPr sz="1333"/>
             </a:lvl8pPr>
-            <a:lvl9pPr marL="2743131" indent="0" algn="ctr">
-              <a:buNone/>
-              <a:defRPr sz="1200"/>
+            <a:lvl9pPr marL="3047878" indent="0" algn="ctr">
+              <a:buNone/>
+              <a:defRPr sz="1333"/>
             </a:lvl9pPr>
           </a:lstStyle>
           <a:p>
@@ -281,7 +281,7 @@
           <a:p>
             <a:fld id="{50DEE611-8BEF-4990-B4F5-91A0FAC492E5}" type="datetimeFigureOut">
               <a:rPr lang="es-VE" smtClean="0"/>
-              <a:t>18/6/2021</a:t>
+              <a:t>15/7/2023</a:t>
             </a:fld>
             <a:endParaRPr lang="es-VE" dirty="0"/>
           </a:p>
@@ -332,7 +332,7 @@
     </p:spTree>
     <p:extLst>
       <p:ext uri="{BB962C8B-B14F-4D97-AF65-F5344CB8AC3E}">
-        <p14:creationId xmlns:p14="http://schemas.microsoft.com/office/powerpoint/2010/main" val="415702217"/>
+        <p14:creationId xmlns:p14="http://schemas.microsoft.com/office/powerpoint/2010/main" val="2414328381"/>
       </p:ext>
     </p:extLst>
   </p:cSld>
@@ -451,7 +451,7 @@
           <a:p>
             <a:fld id="{50DEE611-8BEF-4990-B4F5-91A0FAC492E5}" type="datetimeFigureOut">
               <a:rPr lang="es-VE" smtClean="0"/>
-              <a:t>18/6/2021</a:t>
+              <a:t>15/7/2023</a:t>
             </a:fld>
             <a:endParaRPr lang="es-VE" dirty="0"/>
           </a:p>
@@ -502,7 +502,7 @@
     </p:spTree>
     <p:extLst>
       <p:ext uri="{BB962C8B-B14F-4D97-AF65-F5344CB8AC3E}">
-        <p14:creationId xmlns:p14="http://schemas.microsoft.com/office/powerpoint/2010/main" val="3246863016"/>
+        <p14:creationId xmlns:p14="http://schemas.microsoft.com/office/powerpoint/2010/main" val="220784922"/>
       </p:ext>
     </p:extLst>
   </p:cSld>
@@ -541,8 +541,8 @@
         </p:nvSpPr>
         <p:spPr>
           <a:xfrm>
-            <a:off x="6543676" y="304272"/>
-            <a:ext cx="1971675" cy="4843198"/>
+            <a:off x="7270750" y="304271"/>
+            <a:ext cx="2190750" cy="4843198"/>
           </a:xfrm>
         </p:spPr>
         <p:txBody>
@@ -569,8 +569,8 @@
         </p:nvSpPr>
         <p:spPr>
           <a:xfrm>
-            <a:off x="628651" y="304272"/>
-            <a:ext cx="5800725" cy="4843198"/>
+            <a:off x="698500" y="304271"/>
+            <a:ext cx="6445250" cy="4843198"/>
           </a:xfrm>
         </p:spPr>
         <p:txBody>
@@ -631,7 +631,7 @@
           <a:p>
             <a:fld id="{50DEE611-8BEF-4990-B4F5-91A0FAC492E5}" type="datetimeFigureOut">
               <a:rPr lang="es-VE" smtClean="0"/>
-              <a:t>18/6/2021</a:t>
+              <a:t>15/7/2023</a:t>
             </a:fld>
             <a:endParaRPr lang="es-VE" dirty="0"/>
           </a:p>
@@ -682,7 +682,7 @@
     </p:spTree>
     <p:extLst>
       <p:ext uri="{BB962C8B-B14F-4D97-AF65-F5344CB8AC3E}">
-        <p14:creationId xmlns:p14="http://schemas.microsoft.com/office/powerpoint/2010/main" val="117500492"/>
+        <p14:creationId xmlns:p14="http://schemas.microsoft.com/office/powerpoint/2010/main" val="842956468"/>
       </p:ext>
     </p:extLst>
   </p:cSld>
@@ -801,7 +801,7 @@
           <a:p>
             <a:fld id="{50DEE611-8BEF-4990-B4F5-91A0FAC492E5}" type="datetimeFigureOut">
               <a:rPr lang="es-VE" smtClean="0"/>
-              <a:t>18/6/2021</a:t>
+              <a:t>15/7/2023</a:t>
             </a:fld>
             <a:endParaRPr lang="es-VE" dirty="0"/>
           </a:p>
@@ -852,7 +852,7 @@
     </p:spTree>
     <p:extLst>
       <p:ext uri="{BB962C8B-B14F-4D97-AF65-F5344CB8AC3E}">
-        <p14:creationId xmlns:p14="http://schemas.microsoft.com/office/powerpoint/2010/main" val="932787524"/>
+        <p14:creationId xmlns:p14="http://schemas.microsoft.com/office/powerpoint/2010/main" val="1009664480"/>
       </p:ext>
     </p:extLst>
   </p:cSld>
@@ -891,15 +891,15 @@
         </p:nvSpPr>
         <p:spPr>
           <a:xfrm>
-            <a:off x="623889" y="1424783"/>
-            <a:ext cx="7886700" cy="2377281"/>
+            <a:off x="693208" y="1424782"/>
+            <a:ext cx="8763000" cy="2377281"/>
           </a:xfrm>
         </p:spPr>
         <p:txBody>
           <a:bodyPr anchor="b"/>
           <a:lstStyle>
             <a:lvl1pPr>
-              <a:defRPr sz="4500"/>
+              <a:defRPr sz="5000"/>
             </a:lvl1pPr>
           </a:lstStyle>
           <a:p>
@@ -923,8 +923,8 @@
         </p:nvSpPr>
         <p:spPr>
           <a:xfrm>
-            <a:off x="623889" y="3824553"/>
-            <a:ext cx="7886700" cy="1250156"/>
+            <a:off x="693208" y="3824553"/>
+            <a:ext cx="8763000" cy="1250156"/>
           </a:xfrm>
         </p:spPr>
         <p:txBody>
@@ -932,7 +932,7 @@
           <a:lstStyle>
             <a:lvl1pPr marL="0" indent="0">
               <a:buNone/>
-              <a:defRPr sz="1800">
+              <a:defRPr sz="2000">
                 <a:solidFill>
                   <a:schemeClr val="tx1">
                     <a:tint val="75000"/>
@@ -940,9 +940,9 @@
                 </a:solidFill>
               </a:defRPr>
             </a:lvl1pPr>
-            <a:lvl2pPr marL="342891" indent="0">
-              <a:buNone/>
-              <a:defRPr sz="1500">
+            <a:lvl2pPr marL="380985" indent="0">
+              <a:buNone/>
+              <a:defRPr sz="1667">
                 <a:solidFill>
                   <a:schemeClr val="tx1">
                     <a:tint val="75000"/>
@@ -950,9 +950,9 @@
                 </a:solidFill>
               </a:defRPr>
             </a:lvl2pPr>
-            <a:lvl3pPr marL="685783" indent="0">
-              <a:buNone/>
-              <a:defRPr sz="1351">
+            <a:lvl3pPr marL="761970" indent="0">
+              <a:buNone/>
+              <a:defRPr sz="1500">
                 <a:solidFill>
                   <a:schemeClr val="tx1">
                     <a:tint val="75000"/>
@@ -960,9 +960,9 @@
                 </a:solidFill>
               </a:defRPr>
             </a:lvl3pPr>
-            <a:lvl4pPr marL="1028674" indent="0">
-              <a:buNone/>
-              <a:defRPr sz="1200">
+            <a:lvl4pPr marL="1142954" indent="0">
+              <a:buNone/>
+              <a:defRPr sz="1333">
                 <a:solidFill>
                   <a:schemeClr val="tx1">
                     <a:tint val="75000"/>
@@ -970,9 +970,9 @@
                 </a:solidFill>
               </a:defRPr>
             </a:lvl4pPr>
-            <a:lvl5pPr marL="1371566" indent="0">
-              <a:buNone/>
-              <a:defRPr sz="1200">
+            <a:lvl5pPr marL="1523939" indent="0">
+              <a:buNone/>
+              <a:defRPr sz="1333">
                 <a:solidFill>
                   <a:schemeClr val="tx1">
                     <a:tint val="75000"/>
@@ -980,9 +980,9 @@
                 </a:solidFill>
               </a:defRPr>
             </a:lvl5pPr>
-            <a:lvl6pPr marL="1714457" indent="0">
-              <a:buNone/>
-              <a:defRPr sz="1200">
+            <a:lvl6pPr marL="1904924" indent="0">
+              <a:buNone/>
+              <a:defRPr sz="1333">
                 <a:solidFill>
                   <a:schemeClr val="tx1">
                     <a:tint val="75000"/>
@@ -990,9 +990,9 @@
                 </a:solidFill>
               </a:defRPr>
             </a:lvl6pPr>
-            <a:lvl7pPr marL="2057349" indent="0">
-              <a:buNone/>
-              <a:defRPr sz="1200">
+            <a:lvl7pPr marL="2285909" indent="0">
+              <a:buNone/>
+              <a:defRPr sz="1333">
                 <a:solidFill>
                   <a:schemeClr val="tx1">
                     <a:tint val="75000"/>
@@ -1000,9 +1000,9 @@
                 </a:solidFill>
               </a:defRPr>
             </a:lvl7pPr>
-            <a:lvl8pPr marL="2400240" indent="0">
-              <a:buNone/>
-              <a:defRPr sz="1200">
+            <a:lvl8pPr marL="2666893" indent="0">
+              <a:buNone/>
+              <a:defRPr sz="1333">
                 <a:solidFill>
                   <a:schemeClr val="tx1">
                     <a:tint val="75000"/>
@@ -1010,9 +1010,9 @@
                 </a:solidFill>
               </a:defRPr>
             </a:lvl8pPr>
-            <a:lvl9pPr marL="2743131" indent="0">
-              <a:buNone/>
-              <a:defRPr sz="1200">
+            <a:lvl9pPr marL="3047878" indent="0">
+              <a:buNone/>
+              <a:defRPr sz="1333">
                 <a:solidFill>
                   <a:schemeClr val="tx1">
                     <a:tint val="75000"/>
@@ -1047,7 +1047,7 @@
           <a:p>
             <a:fld id="{50DEE611-8BEF-4990-B4F5-91A0FAC492E5}" type="datetimeFigureOut">
               <a:rPr lang="es-VE" smtClean="0"/>
-              <a:t>18/6/2021</a:t>
+              <a:t>15/7/2023</a:t>
             </a:fld>
             <a:endParaRPr lang="es-VE" dirty="0"/>
           </a:p>
@@ -1098,7 +1098,7 @@
     </p:spTree>
     <p:extLst>
       <p:ext uri="{BB962C8B-B14F-4D97-AF65-F5344CB8AC3E}">
-        <p14:creationId xmlns:p14="http://schemas.microsoft.com/office/powerpoint/2010/main" val="1341747746"/>
+        <p14:creationId xmlns:p14="http://schemas.microsoft.com/office/powerpoint/2010/main" val="842375572"/>
       </p:ext>
     </p:extLst>
   </p:cSld>
@@ -1160,8 +1160,8 @@
         </p:nvSpPr>
         <p:spPr>
           <a:xfrm>
-            <a:off x="628651" y="1521354"/>
-            <a:ext cx="3886200" cy="3626115"/>
+            <a:off x="698500" y="1521354"/>
+            <a:ext cx="4318000" cy="3626115"/>
           </a:xfrm>
         </p:spPr>
         <p:txBody>
@@ -1217,8 +1217,8 @@
         </p:nvSpPr>
         <p:spPr>
           <a:xfrm>
-            <a:off x="4629151" y="1521354"/>
-            <a:ext cx="3886200" cy="3626115"/>
+            <a:off x="5143500" y="1521354"/>
+            <a:ext cx="4318000" cy="3626115"/>
           </a:xfrm>
         </p:spPr>
         <p:txBody>
@@ -1279,7 +1279,7 @@
           <a:p>
             <a:fld id="{50DEE611-8BEF-4990-B4F5-91A0FAC492E5}" type="datetimeFigureOut">
               <a:rPr lang="es-VE" smtClean="0"/>
-              <a:t>18/6/2021</a:t>
+              <a:t>15/7/2023</a:t>
             </a:fld>
             <a:endParaRPr lang="es-VE" dirty="0"/>
           </a:p>
@@ -1330,7 +1330,7 @@
     </p:spTree>
     <p:extLst>
       <p:ext uri="{BB962C8B-B14F-4D97-AF65-F5344CB8AC3E}">
-        <p14:creationId xmlns:p14="http://schemas.microsoft.com/office/powerpoint/2010/main" val="3451407315"/>
+        <p14:creationId xmlns:p14="http://schemas.microsoft.com/office/powerpoint/2010/main" val="3896562851"/>
       </p:ext>
     </p:extLst>
   </p:cSld>
@@ -1369,8 +1369,8 @@
         </p:nvSpPr>
         <p:spPr>
           <a:xfrm>
-            <a:off x="629842" y="304271"/>
-            <a:ext cx="7886700" cy="1104636"/>
+            <a:off x="699823" y="304271"/>
+            <a:ext cx="8763000" cy="1104636"/>
           </a:xfrm>
         </p:spPr>
         <p:txBody>
@@ -1397,8 +1397,8 @@
         </p:nvSpPr>
         <p:spPr>
           <a:xfrm>
-            <a:off x="629842" y="1400970"/>
-            <a:ext cx="3868340" cy="686593"/>
+            <a:off x="699824" y="1400969"/>
+            <a:ext cx="4298156" cy="686593"/>
           </a:xfrm>
         </p:spPr>
         <p:txBody>
@@ -1406,39 +1406,39 @@
           <a:lstStyle>
             <a:lvl1pPr marL="0" indent="0">
               <a:buNone/>
-              <a:defRPr sz="1800" b="1"/>
+              <a:defRPr sz="2000" b="1"/>
             </a:lvl1pPr>
-            <a:lvl2pPr marL="342891" indent="0">
+            <a:lvl2pPr marL="380985" indent="0">
+              <a:buNone/>
+              <a:defRPr sz="1667" b="1"/>
+            </a:lvl2pPr>
+            <a:lvl3pPr marL="761970" indent="0">
               <a:buNone/>
               <a:defRPr sz="1500" b="1"/>
-            </a:lvl2pPr>
-            <a:lvl3pPr marL="685783" indent="0">
-              <a:buNone/>
-              <a:defRPr sz="1351" b="1"/>
             </a:lvl3pPr>
-            <a:lvl4pPr marL="1028674" indent="0">
-              <a:buNone/>
-              <a:defRPr sz="1200" b="1"/>
+            <a:lvl4pPr marL="1142954" indent="0">
+              <a:buNone/>
+              <a:defRPr sz="1333" b="1"/>
             </a:lvl4pPr>
-            <a:lvl5pPr marL="1371566" indent="0">
-              <a:buNone/>
-              <a:defRPr sz="1200" b="1"/>
+            <a:lvl5pPr marL="1523939" indent="0">
+              <a:buNone/>
+              <a:defRPr sz="1333" b="1"/>
             </a:lvl5pPr>
-            <a:lvl6pPr marL="1714457" indent="0">
-              <a:buNone/>
-              <a:defRPr sz="1200" b="1"/>
+            <a:lvl6pPr marL="1904924" indent="0">
+              <a:buNone/>
+              <a:defRPr sz="1333" b="1"/>
             </a:lvl6pPr>
-            <a:lvl7pPr marL="2057349" indent="0">
-              <a:buNone/>
-              <a:defRPr sz="1200" b="1"/>
+            <a:lvl7pPr marL="2285909" indent="0">
+              <a:buNone/>
+              <a:defRPr sz="1333" b="1"/>
             </a:lvl7pPr>
-            <a:lvl8pPr marL="2400240" indent="0">
-              <a:buNone/>
-              <a:defRPr sz="1200" b="1"/>
+            <a:lvl8pPr marL="2666893" indent="0">
+              <a:buNone/>
+              <a:defRPr sz="1333" b="1"/>
             </a:lvl8pPr>
-            <a:lvl9pPr marL="2743131" indent="0">
-              <a:buNone/>
-              <a:defRPr sz="1200" b="1"/>
+            <a:lvl9pPr marL="3047878" indent="0">
+              <a:buNone/>
+              <a:defRPr sz="1333" b="1"/>
             </a:lvl9pPr>
           </a:lstStyle>
           <a:p>
@@ -1462,8 +1462,8 @@
         </p:nvSpPr>
         <p:spPr>
           <a:xfrm>
-            <a:off x="629842" y="2087563"/>
-            <a:ext cx="3868340" cy="3070490"/>
+            <a:off x="699824" y="2087563"/>
+            <a:ext cx="4298156" cy="3070490"/>
           </a:xfrm>
         </p:spPr>
         <p:txBody>
@@ -1519,8 +1519,8 @@
         </p:nvSpPr>
         <p:spPr>
           <a:xfrm>
-            <a:off x="4629151" y="1400970"/>
-            <a:ext cx="3887391" cy="686593"/>
+            <a:off x="5143500" y="1400969"/>
+            <a:ext cx="4319323" cy="686593"/>
           </a:xfrm>
         </p:spPr>
         <p:txBody>
@@ -1528,39 +1528,39 @@
           <a:lstStyle>
             <a:lvl1pPr marL="0" indent="0">
               <a:buNone/>
-              <a:defRPr sz="1800" b="1"/>
+              <a:defRPr sz="2000" b="1"/>
             </a:lvl1pPr>
-            <a:lvl2pPr marL="342891" indent="0">
+            <a:lvl2pPr marL="380985" indent="0">
+              <a:buNone/>
+              <a:defRPr sz="1667" b="1"/>
+            </a:lvl2pPr>
+            <a:lvl3pPr marL="761970" indent="0">
               <a:buNone/>
               <a:defRPr sz="1500" b="1"/>
-            </a:lvl2pPr>
-            <a:lvl3pPr marL="685783" indent="0">
-              <a:buNone/>
-              <a:defRPr sz="1351" b="1"/>
             </a:lvl3pPr>
-            <a:lvl4pPr marL="1028674" indent="0">
-              <a:buNone/>
-              <a:defRPr sz="1200" b="1"/>
+            <a:lvl4pPr marL="1142954" indent="0">
+              <a:buNone/>
+              <a:defRPr sz="1333" b="1"/>
             </a:lvl4pPr>
-            <a:lvl5pPr marL="1371566" indent="0">
-              <a:buNone/>
-              <a:defRPr sz="1200" b="1"/>
+            <a:lvl5pPr marL="1523939" indent="0">
+              <a:buNone/>
+              <a:defRPr sz="1333" b="1"/>
             </a:lvl5pPr>
-            <a:lvl6pPr marL="1714457" indent="0">
-              <a:buNone/>
-              <a:defRPr sz="1200" b="1"/>
+            <a:lvl6pPr marL="1904924" indent="0">
+              <a:buNone/>
+              <a:defRPr sz="1333" b="1"/>
             </a:lvl6pPr>
-            <a:lvl7pPr marL="2057349" indent="0">
-              <a:buNone/>
-              <a:defRPr sz="1200" b="1"/>
+            <a:lvl7pPr marL="2285909" indent="0">
+              <a:buNone/>
+              <a:defRPr sz="1333" b="1"/>
             </a:lvl7pPr>
-            <a:lvl8pPr marL="2400240" indent="0">
-              <a:buNone/>
-              <a:defRPr sz="1200" b="1"/>
+            <a:lvl8pPr marL="2666893" indent="0">
+              <a:buNone/>
+              <a:defRPr sz="1333" b="1"/>
             </a:lvl8pPr>
-            <a:lvl9pPr marL="2743131" indent="0">
-              <a:buNone/>
-              <a:defRPr sz="1200" b="1"/>
+            <a:lvl9pPr marL="3047878" indent="0">
+              <a:buNone/>
+              <a:defRPr sz="1333" b="1"/>
             </a:lvl9pPr>
           </a:lstStyle>
           <a:p>
@@ -1584,8 +1584,8 @@
         </p:nvSpPr>
         <p:spPr>
           <a:xfrm>
-            <a:off x="4629151" y="2087563"/>
-            <a:ext cx="3887391" cy="3070490"/>
+            <a:off x="5143500" y="2087563"/>
+            <a:ext cx="4319323" cy="3070490"/>
           </a:xfrm>
         </p:spPr>
         <p:txBody>
@@ -1646,7 +1646,7 @@
           <a:p>
             <a:fld id="{50DEE611-8BEF-4990-B4F5-91A0FAC492E5}" type="datetimeFigureOut">
               <a:rPr lang="es-VE" smtClean="0"/>
-              <a:t>18/6/2021</a:t>
+              <a:t>15/7/2023</a:t>
             </a:fld>
             <a:endParaRPr lang="es-VE" dirty="0"/>
           </a:p>
@@ -1697,7 +1697,7 @@
     </p:spTree>
     <p:extLst>
       <p:ext uri="{BB962C8B-B14F-4D97-AF65-F5344CB8AC3E}">
-        <p14:creationId xmlns:p14="http://schemas.microsoft.com/office/powerpoint/2010/main" val="1933828883"/>
+        <p14:creationId xmlns:p14="http://schemas.microsoft.com/office/powerpoint/2010/main" val="1121240966"/>
       </p:ext>
     </p:extLst>
   </p:cSld>
@@ -1764,7 +1764,7 @@
           <a:p>
             <a:fld id="{50DEE611-8BEF-4990-B4F5-91A0FAC492E5}" type="datetimeFigureOut">
               <a:rPr lang="es-VE" smtClean="0"/>
-              <a:t>18/6/2021</a:t>
+              <a:t>15/7/2023</a:t>
             </a:fld>
             <a:endParaRPr lang="es-VE" dirty="0"/>
           </a:p>
@@ -1815,7 +1815,7 @@
     </p:spTree>
     <p:extLst>
       <p:ext uri="{BB962C8B-B14F-4D97-AF65-F5344CB8AC3E}">
-        <p14:creationId xmlns:p14="http://schemas.microsoft.com/office/powerpoint/2010/main" val="564159855"/>
+        <p14:creationId xmlns:p14="http://schemas.microsoft.com/office/powerpoint/2010/main" val="162095262"/>
       </p:ext>
     </p:extLst>
   </p:cSld>
@@ -1859,7 +1859,7 @@
           <a:p>
             <a:fld id="{50DEE611-8BEF-4990-B4F5-91A0FAC492E5}" type="datetimeFigureOut">
               <a:rPr lang="es-VE" smtClean="0"/>
-              <a:t>18/6/2021</a:t>
+              <a:t>15/7/2023</a:t>
             </a:fld>
             <a:endParaRPr lang="es-VE" dirty="0"/>
           </a:p>
@@ -1910,7 +1910,7 @@
     </p:spTree>
     <p:extLst>
       <p:ext uri="{BB962C8B-B14F-4D97-AF65-F5344CB8AC3E}">
-        <p14:creationId xmlns:p14="http://schemas.microsoft.com/office/powerpoint/2010/main" val="1236686754"/>
+        <p14:creationId xmlns:p14="http://schemas.microsoft.com/office/powerpoint/2010/main" val="2130794548"/>
       </p:ext>
     </p:extLst>
   </p:cSld>
@@ -1949,15 +1949,15 @@
         </p:nvSpPr>
         <p:spPr>
           <a:xfrm>
-            <a:off x="629841" y="381000"/>
-            <a:ext cx="2949179" cy="1333500"/>
+            <a:off x="699824" y="381000"/>
+            <a:ext cx="3276864" cy="1333500"/>
           </a:xfrm>
         </p:spPr>
         <p:txBody>
           <a:bodyPr anchor="b"/>
           <a:lstStyle>
             <a:lvl1pPr>
-              <a:defRPr sz="2400"/>
+              <a:defRPr sz="2667"/>
             </a:lvl1pPr>
           </a:lstStyle>
           <a:p>
@@ -1981,39 +1981,39 @@
         </p:nvSpPr>
         <p:spPr>
           <a:xfrm>
-            <a:off x="3887391" y="822855"/>
-            <a:ext cx="4629151" cy="4061354"/>
+            <a:off x="4319323" y="822855"/>
+            <a:ext cx="5143500" cy="4061354"/>
           </a:xfrm>
         </p:spPr>
         <p:txBody>
           <a:bodyPr/>
           <a:lstStyle>
             <a:lvl1pPr>
-              <a:defRPr sz="2400"/>
+              <a:defRPr sz="2667"/>
             </a:lvl1pPr>
             <a:lvl2pPr>
-              <a:defRPr sz="2100"/>
+              <a:defRPr sz="2333"/>
             </a:lvl2pPr>
             <a:lvl3pPr>
-              <a:defRPr sz="1800"/>
+              <a:defRPr sz="2000"/>
             </a:lvl3pPr>
             <a:lvl4pPr>
-              <a:defRPr sz="1500"/>
+              <a:defRPr sz="1667"/>
             </a:lvl4pPr>
             <a:lvl5pPr>
-              <a:defRPr sz="1500"/>
+              <a:defRPr sz="1667"/>
             </a:lvl5pPr>
             <a:lvl6pPr>
-              <a:defRPr sz="1500"/>
+              <a:defRPr sz="1667"/>
             </a:lvl6pPr>
             <a:lvl7pPr>
-              <a:defRPr sz="1500"/>
+              <a:defRPr sz="1667"/>
             </a:lvl7pPr>
             <a:lvl8pPr>
-              <a:defRPr sz="1500"/>
+              <a:defRPr sz="1667"/>
             </a:lvl8pPr>
             <a:lvl9pPr>
-              <a:defRPr sz="1500"/>
+              <a:defRPr sz="1667"/>
             </a:lvl9pPr>
           </a:lstStyle>
           <a:p>
@@ -2066,8 +2066,8 @@
         </p:nvSpPr>
         <p:spPr>
           <a:xfrm>
-            <a:off x="629841" y="1714501"/>
-            <a:ext cx="2949179" cy="3176323"/>
+            <a:off x="699824" y="1714500"/>
+            <a:ext cx="3276864" cy="3176323"/>
           </a:xfrm>
         </p:spPr>
         <p:txBody>
@@ -2075,39 +2075,39 @@
           <a:lstStyle>
             <a:lvl1pPr marL="0" indent="0">
               <a:buNone/>
-              <a:defRPr sz="1200"/>
+              <a:defRPr sz="1333"/>
             </a:lvl1pPr>
-            <a:lvl2pPr marL="342891" indent="0">
-              <a:buNone/>
-              <a:defRPr sz="1051"/>
+            <a:lvl2pPr marL="380985" indent="0">
+              <a:buNone/>
+              <a:defRPr sz="1167"/>
             </a:lvl2pPr>
-            <a:lvl3pPr marL="685783" indent="0">
-              <a:buNone/>
-              <a:defRPr sz="900"/>
+            <a:lvl3pPr marL="761970" indent="0">
+              <a:buNone/>
+              <a:defRPr sz="1000"/>
             </a:lvl3pPr>
-            <a:lvl4pPr marL="1028674" indent="0">
-              <a:buNone/>
-              <a:defRPr sz="751"/>
+            <a:lvl4pPr marL="1142954" indent="0">
+              <a:buNone/>
+              <a:defRPr sz="833"/>
             </a:lvl4pPr>
-            <a:lvl5pPr marL="1371566" indent="0">
-              <a:buNone/>
-              <a:defRPr sz="751"/>
+            <a:lvl5pPr marL="1523939" indent="0">
+              <a:buNone/>
+              <a:defRPr sz="833"/>
             </a:lvl5pPr>
-            <a:lvl6pPr marL="1714457" indent="0">
-              <a:buNone/>
-              <a:defRPr sz="751"/>
+            <a:lvl6pPr marL="1904924" indent="0">
+              <a:buNone/>
+              <a:defRPr sz="833"/>
             </a:lvl6pPr>
-            <a:lvl7pPr marL="2057349" indent="0">
-              <a:buNone/>
-              <a:defRPr sz="751"/>
+            <a:lvl7pPr marL="2285909" indent="0">
+              <a:buNone/>
+              <a:defRPr sz="833"/>
             </a:lvl7pPr>
-            <a:lvl8pPr marL="2400240" indent="0">
-              <a:buNone/>
-              <a:defRPr sz="751"/>
+            <a:lvl8pPr marL="2666893" indent="0">
+              <a:buNone/>
+              <a:defRPr sz="833"/>
             </a:lvl8pPr>
-            <a:lvl9pPr marL="2743131" indent="0">
-              <a:buNone/>
-              <a:defRPr sz="751"/>
+            <a:lvl9pPr marL="3047878" indent="0">
+              <a:buNone/>
+              <a:defRPr sz="833"/>
             </a:lvl9pPr>
           </a:lstStyle>
           <a:p>
@@ -2136,7 +2136,7 @@
           <a:p>
             <a:fld id="{50DEE611-8BEF-4990-B4F5-91A0FAC492E5}" type="datetimeFigureOut">
               <a:rPr lang="es-VE" smtClean="0"/>
-              <a:t>18/6/2021</a:t>
+              <a:t>15/7/2023</a:t>
             </a:fld>
             <a:endParaRPr lang="es-VE" dirty="0"/>
           </a:p>
@@ -2187,7 +2187,7 @@
     </p:spTree>
     <p:extLst>
       <p:ext uri="{BB962C8B-B14F-4D97-AF65-F5344CB8AC3E}">
-        <p14:creationId xmlns:p14="http://schemas.microsoft.com/office/powerpoint/2010/main" val="214519182"/>
+        <p14:creationId xmlns:p14="http://schemas.microsoft.com/office/powerpoint/2010/main" val="1320918920"/>
       </p:ext>
     </p:extLst>
   </p:cSld>
@@ -2226,15 +2226,15 @@
         </p:nvSpPr>
         <p:spPr>
           <a:xfrm>
-            <a:off x="629841" y="381000"/>
-            <a:ext cx="2949179" cy="1333500"/>
+            <a:off x="699824" y="381000"/>
+            <a:ext cx="3276864" cy="1333500"/>
           </a:xfrm>
         </p:spPr>
         <p:txBody>
           <a:bodyPr anchor="b"/>
           <a:lstStyle>
             <a:lvl1pPr>
-              <a:defRPr sz="2400"/>
+              <a:defRPr sz="2667"/>
             </a:lvl1pPr>
           </a:lstStyle>
           <a:p>
@@ -2258,8 +2258,8 @@
         </p:nvSpPr>
         <p:spPr>
           <a:xfrm>
-            <a:off x="3887391" y="822855"/>
-            <a:ext cx="4629151" cy="4061354"/>
+            <a:off x="4319323" y="822855"/>
+            <a:ext cx="5143500" cy="4061354"/>
           </a:xfrm>
         </p:spPr>
         <p:txBody>
@@ -2267,44 +2267,44 @@
           <a:lstStyle>
             <a:lvl1pPr marL="0" indent="0">
               <a:buNone/>
-              <a:defRPr sz="2400"/>
+              <a:defRPr sz="2667"/>
             </a:lvl1pPr>
-            <a:lvl2pPr marL="342891" indent="0">
-              <a:buNone/>
-              <a:defRPr sz="2100"/>
+            <a:lvl2pPr marL="380985" indent="0">
+              <a:buNone/>
+              <a:defRPr sz="2333"/>
             </a:lvl2pPr>
-            <a:lvl3pPr marL="685783" indent="0">
-              <a:buNone/>
-              <a:defRPr sz="1800"/>
+            <a:lvl3pPr marL="761970" indent="0">
+              <a:buNone/>
+              <a:defRPr sz="2000"/>
             </a:lvl3pPr>
-            <a:lvl4pPr marL="1028674" indent="0">
-              <a:buNone/>
-              <a:defRPr sz="1500"/>
+            <a:lvl4pPr marL="1142954" indent="0">
+              <a:buNone/>
+              <a:defRPr sz="1667"/>
             </a:lvl4pPr>
-            <a:lvl5pPr marL="1371566" indent="0">
-              <a:buNone/>
-              <a:defRPr sz="1500"/>
+            <a:lvl5pPr marL="1523939" indent="0">
+              <a:buNone/>
+              <a:defRPr sz="1667"/>
             </a:lvl5pPr>
-            <a:lvl6pPr marL="1714457" indent="0">
-              <a:buNone/>
-              <a:defRPr sz="1500"/>
+            <a:lvl6pPr marL="1904924" indent="0">
+              <a:buNone/>
+              <a:defRPr sz="1667"/>
             </a:lvl6pPr>
-            <a:lvl7pPr marL="2057349" indent="0">
-              <a:buNone/>
-              <a:defRPr sz="1500"/>
+            <a:lvl7pPr marL="2285909" indent="0">
+              <a:buNone/>
+              <a:defRPr sz="1667"/>
             </a:lvl7pPr>
-            <a:lvl8pPr marL="2400240" indent="0">
-              <a:buNone/>
-              <a:defRPr sz="1500"/>
+            <a:lvl8pPr marL="2666893" indent="0">
+              <a:buNone/>
+              <a:defRPr sz="1667"/>
             </a:lvl8pPr>
-            <a:lvl9pPr marL="2743131" indent="0">
-              <a:buNone/>
-              <a:defRPr sz="1500"/>
+            <a:lvl9pPr marL="3047878" indent="0">
+              <a:buNone/>
+              <a:defRPr sz="1667"/>
             </a:lvl9pPr>
           </a:lstStyle>
           <a:p>
             <a:r>
-              <a:rPr lang="es-ES" dirty="0"/>
+              <a:rPr lang="es-ES"/>
               <a:t>Haga clic en el icono para agregar una imagen</a:t>
             </a:r>
             <a:endParaRPr lang="en-US" dirty="0"/>
@@ -2323,8 +2323,8 @@
         </p:nvSpPr>
         <p:spPr>
           <a:xfrm>
-            <a:off x="629841" y="1714501"/>
-            <a:ext cx="2949179" cy="3176323"/>
+            <a:off x="699824" y="1714500"/>
+            <a:ext cx="3276864" cy="3176323"/>
           </a:xfrm>
         </p:spPr>
         <p:txBody>
@@ -2332,39 +2332,39 @@
           <a:lstStyle>
             <a:lvl1pPr marL="0" indent="0">
               <a:buNone/>
-              <a:defRPr sz="1200"/>
+              <a:defRPr sz="1333"/>
             </a:lvl1pPr>
-            <a:lvl2pPr marL="342891" indent="0">
-              <a:buNone/>
-              <a:defRPr sz="1051"/>
+            <a:lvl2pPr marL="380985" indent="0">
+              <a:buNone/>
+              <a:defRPr sz="1167"/>
             </a:lvl2pPr>
-            <a:lvl3pPr marL="685783" indent="0">
-              <a:buNone/>
-              <a:defRPr sz="900"/>
+            <a:lvl3pPr marL="761970" indent="0">
+              <a:buNone/>
+              <a:defRPr sz="1000"/>
             </a:lvl3pPr>
-            <a:lvl4pPr marL="1028674" indent="0">
-              <a:buNone/>
-              <a:defRPr sz="751"/>
+            <a:lvl4pPr marL="1142954" indent="0">
+              <a:buNone/>
+              <a:defRPr sz="833"/>
             </a:lvl4pPr>
-            <a:lvl5pPr marL="1371566" indent="0">
-              <a:buNone/>
-              <a:defRPr sz="751"/>
+            <a:lvl5pPr marL="1523939" indent="0">
+              <a:buNone/>
+              <a:defRPr sz="833"/>
             </a:lvl5pPr>
-            <a:lvl6pPr marL="1714457" indent="0">
-              <a:buNone/>
-              <a:defRPr sz="751"/>
+            <a:lvl6pPr marL="1904924" indent="0">
+              <a:buNone/>
+              <a:defRPr sz="833"/>
             </a:lvl6pPr>
-            <a:lvl7pPr marL="2057349" indent="0">
-              <a:buNone/>
-              <a:defRPr sz="751"/>
+            <a:lvl7pPr marL="2285909" indent="0">
+              <a:buNone/>
+              <a:defRPr sz="833"/>
             </a:lvl7pPr>
-            <a:lvl8pPr marL="2400240" indent="0">
-              <a:buNone/>
-              <a:defRPr sz="751"/>
+            <a:lvl8pPr marL="2666893" indent="0">
+              <a:buNone/>
+              <a:defRPr sz="833"/>
             </a:lvl8pPr>
-            <a:lvl9pPr marL="2743131" indent="0">
-              <a:buNone/>
-              <a:defRPr sz="751"/>
+            <a:lvl9pPr marL="3047878" indent="0">
+              <a:buNone/>
+              <a:defRPr sz="833"/>
             </a:lvl9pPr>
           </a:lstStyle>
           <a:p>
@@ -2393,7 +2393,7 @@
           <a:p>
             <a:fld id="{50DEE611-8BEF-4990-B4F5-91A0FAC492E5}" type="datetimeFigureOut">
               <a:rPr lang="es-VE" smtClean="0"/>
-              <a:t>18/6/2021</a:t>
+              <a:t>15/7/2023</a:t>
             </a:fld>
             <a:endParaRPr lang="es-VE" dirty="0"/>
           </a:p>
@@ -2444,7 +2444,7 @@
     </p:spTree>
     <p:extLst>
       <p:ext uri="{BB962C8B-B14F-4D97-AF65-F5344CB8AC3E}">
-        <p14:creationId xmlns:p14="http://schemas.microsoft.com/office/powerpoint/2010/main" val="2589174267"/>
+        <p14:creationId xmlns:p14="http://schemas.microsoft.com/office/powerpoint/2010/main" val="2181697457"/>
       </p:ext>
     </p:extLst>
   </p:cSld>
@@ -2458,12 +2458,9 @@
 <p:sldMaster xmlns:a="http://schemas.openxmlformats.org/drawingml/2006/main" xmlns:r="http://schemas.openxmlformats.org/officeDocument/2006/relationships" xmlns:p="http://schemas.openxmlformats.org/presentationml/2006/main">
   <p:cSld>
     <p:bg>
-      <p:bgPr>
-        <a:solidFill>
-          <a:schemeClr val="bg1"/>
-        </a:solidFill>
-        <a:effectLst/>
-      </p:bgPr>
+      <p:bgRef idx="1001">
+        <a:schemeClr val="bg1"/>
+      </p:bgRef>
     </p:bg>
     <p:spTree>
       <p:nvGrpSpPr>
@@ -2491,8 +2488,8 @@
         </p:nvSpPr>
         <p:spPr>
           <a:xfrm>
-            <a:off x="628651" y="304271"/>
-            <a:ext cx="7886700" cy="1104636"/>
+            <a:off x="698500" y="304271"/>
+            <a:ext cx="8763000" cy="1104636"/>
           </a:xfrm>
           <a:prstGeom prst="rect">
             <a:avLst/>
@@ -2524,8 +2521,8 @@
         </p:nvSpPr>
         <p:spPr>
           <a:xfrm>
-            <a:off x="628651" y="1521354"/>
-            <a:ext cx="7886700" cy="3626115"/>
+            <a:off x="698500" y="1521354"/>
+            <a:ext cx="8763000" cy="3626115"/>
           </a:xfrm>
           <a:prstGeom prst="rect">
             <a:avLst/>
@@ -2586,8 +2583,8 @@
         </p:nvSpPr>
         <p:spPr>
           <a:xfrm>
-            <a:off x="628651" y="5296960"/>
-            <a:ext cx="2057400" cy="304271"/>
+            <a:off x="698500" y="5296959"/>
+            <a:ext cx="2286000" cy="304271"/>
           </a:xfrm>
           <a:prstGeom prst="rect">
             <a:avLst/>
@@ -2597,7 +2594,7 @@
           <a:bodyPr vert="horz" lIns="91440" tIns="45720" rIns="91440" bIns="45720" rtlCol="0" anchor="ctr"/>
           <a:lstStyle>
             <a:lvl1pPr algn="l">
-              <a:defRPr sz="900">
+              <a:defRPr sz="1000">
                 <a:solidFill>
                   <a:schemeClr val="tx1">
                     <a:tint val="75000"/>
@@ -2609,7 +2606,7 @@
           <a:p>
             <a:fld id="{50DEE611-8BEF-4990-B4F5-91A0FAC492E5}" type="datetimeFigureOut">
               <a:rPr lang="es-VE" smtClean="0"/>
-              <a:t>18/6/2021</a:t>
+              <a:t>15/7/2023</a:t>
             </a:fld>
             <a:endParaRPr lang="es-VE" dirty="0"/>
           </a:p>
@@ -2627,8 +2624,8 @@
         </p:nvSpPr>
         <p:spPr>
           <a:xfrm>
-            <a:off x="3028951" y="5296960"/>
-            <a:ext cx="3086100" cy="304271"/>
+            <a:off x="3365500" y="5296959"/>
+            <a:ext cx="3429000" cy="304271"/>
           </a:xfrm>
           <a:prstGeom prst="rect">
             <a:avLst/>
@@ -2638,7 +2635,7 @@
           <a:bodyPr vert="horz" lIns="91440" tIns="45720" rIns="91440" bIns="45720" rtlCol="0" anchor="ctr"/>
           <a:lstStyle>
             <a:lvl1pPr algn="ctr">
-              <a:defRPr sz="900">
+              <a:defRPr sz="1000">
                 <a:solidFill>
                   <a:schemeClr val="tx1">
                     <a:tint val="75000"/>
@@ -2664,8 +2661,8 @@
         </p:nvSpPr>
         <p:spPr>
           <a:xfrm>
-            <a:off x="6457951" y="5296960"/>
-            <a:ext cx="2057400" cy="304271"/>
+            <a:off x="7175500" y="5296959"/>
+            <a:ext cx="2286000" cy="304271"/>
           </a:xfrm>
           <a:prstGeom prst="rect">
             <a:avLst/>
@@ -2675,7 +2672,7 @@
           <a:bodyPr vert="horz" lIns="91440" tIns="45720" rIns="91440" bIns="45720" rtlCol="0" anchor="ctr"/>
           <a:lstStyle>
             <a:lvl1pPr algn="r">
-              <a:defRPr sz="900">
+              <a:defRPr sz="1000">
                 <a:solidFill>
                   <a:schemeClr val="tx1">
                     <a:tint val="75000"/>
@@ -2696,27 +2693,27 @@
     </p:spTree>
     <p:extLst>
       <p:ext uri="{BB962C8B-B14F-4D97-AF65-F5344CB8AC3E}">
-        <p14:creationId xmlns:p14="http://schemas.microsoft.com/office/powerpoint/2010/main" val="3947717685"/>
+        <p14:creationId xmlns:p14="http://schemas.microsoft.com/office/powerpoint/2010/main" val="2984382866"/>
       </p:ext>
     </p:extLst>
   </p:cSld>
   <p:clrMap bg1="dk1" tx1="lt1" bg2="dk2" tx2="lt2" accent1="accent1" accent2="accent2" accent3="accent3" accent4="accent4" accent5="accent5" accent6="accent6" hlink="hlink" folHlink="folHlink"/>
   <p:sldLayoutIdLst>
-    <p:sldLayoutId id="2147483673" r:id="rId1"/>
-    <p:sldLayoutId id="2147483674" r:id="rId2"/>
-    <p:sldLayoutId id="2147483675" r:id="rId3"/>
-    <p:sldLayoutId id="2147483676" r:id="rId4"/>
-    <p:sldLayoutId id="2147483677" r:id="rId5"/>
-    <p:sldLayoutId id="2147483678" r:id="rId6"/>
-    <p:sldLayoutId id="2147483679" r:id="rId7"/>
-    <p:sldLayoutId id="2147483680" r:id="rId8"/>
-    <p:sldLayoutId id="2147483681" r:id="rId9"/>
-    <p:sldLayoutId id="2147483682" r:id="rId10"/>
-    <p:sldLayoutId id="2147483683" r:id="rId11"/>
+    <p:sldLayoutId id="2147483685" r:id="rId1"/>
+    <p:sldLayoutId id="2147483686" r:id="rId2"/>
+    <p:sldLayoutId id="2147483687" r:id="rId3"/>
+    <p:sldLayoutId id="2147483688" r:id="rId4"/>
+    <p:sldLayoutId id="2147483689" r:id="rId5"/>
+    <p:sldLayoutId id="2147483690" r:id="rId6"/>
+    <p:sldLayoutId id="2147483691" r:id="rId7"/>
+    <p:sldLayoutId id="2147483692" r:id="rId8"/>
+    <p:sldLayoutId id="2147483693" r:id="rId9"/>
+    <p:sldLayoutId id="2147483694" r:id="rId10"/>
+    <p:sldLayoutId id="2147483695" r:id="rId11"/>
   </p:sldLayoutIdLst>
   <p:txStyles>
     <p:titleStyle>
-      <a:lvl1pPr algn="l" defTabSz="685783" rtl="0" eaLnBrk="1" latinLnBrk="0" hangingPunct="1">
+      <a:lvl1pPr algn="l" defTabSz="761970" rtl="0" eaLnBrk="1" latinLnBrk="0" hangingPunct="1">
         <a:lnSpc>
           <a:spcPct val="90000"/>
         </a:lnSpc>
@@ -2724,7 +2721,7 @@
           <a:spcPct val="0"/>
         </a:spcBef>
         <a:buNone/>
-        <a:defRPr sz="3300" kern="1200">
+        <a:defRPr sz="3667" kern="1200">
           <a:solidFill>
             <a:schemeClr val="tx1"/>
           </a:solidFill>
@@ -2735,16 +2732,16 @@
       </a:lvl1pPr>
     </p:titleStyle>
     <p:bodyStyle>
-      <a:lvl1pPr marL="171446" indent="-171446" algn="l" defTabSz="685783" rtl="0" eaLnBrk="1" latinLnBrk="0" hangingPunct="1">
+      <a:lvl1pPr marL="190492" indent="-190492" algn="l" defTabSz="761970" rtl="0" eaLnBrk="1" latinLnBrk="0" hangingPunct="1">
         <a:lnSpc>
           <a:spcPct val="90000"/>
         </a:lnSpc>
         <a:spcBef>
-          <a:spcPts val="751"/>
+          <a:spcPts val="833"/>
         </a:spcBef>
         <a:buFont typeface="Arial" panose="020B0604020202020204" pitchFamily="34" charset="0"/>
         <a:buChar char="•"/>
-        <a:defRPr sz="2100" kern="1200">
+        <a:defRPr sz="2333" kern="1200">
           <a:solidFill>
             <a:schemeClr val="tx1"/>
           </a:solidFill>
@@ -2753,16 +2750,16 @@
           <a:cs typeface="+mn-cs"/>
         </a:defRPr>
       </a:lvl1pPr>
-      <a:lvl2pPr marL="514338" indent="-171446" algn="l" defTabSz="685783" rtl="0" eaLnBrk="1" latinLnBrk="0" hangingPunct="1">
+      <a:lvl2pPr marL="571477" indent="-190492" algn="l" defTabSz="761970" rtl="0" eaLnBrk="1" latinLnBrk="0" hangingPunct="1">
         <a:lnSpc>
           <a:spcPct val="90000"/>
         </a:lnSpc>
         <a:spcBef>
-          <a:spcPts val="375"/>
+          <a:spcPts val="417"/>
         </a:spcBef>
         <a:buFont typeface="Arial" panose="020B0604020202020204" pitchFamily="34" charset="0"/>
         <a:buChar char="•"/>
-        <a:defRPr sz="1800" kern="1200">
+        <a:defRPr sz="2000" kern="1200">
           <a:solidFill>
             <a:schemeClr val="tx1"/>
           </a:solidFill>
@@ -2771,12 +2768,30 @@
           <a:cs typeface="+mn-cs"/>
         </a:defRPr>
       </a:lvl2pPr>
-      <a:lvl3pPr marL="857229" indent="-171446" algn="l" defTabSz="685783" rtl="0" eaLnBrk="1" latinLnBrk="0" hangingPunct="1">
+      <a:lvl3pPr marL="952462" indent="-190492" algn="l" defTabSz="761970" rtl="0" eaLnBrk="1" latinLnBrk="0" hangingPunct="1">
         <a:lnSpc>
           <a:spcPct val="90000"/>
         </a:lnSpc>
         <a:spcBef>
-          <a:spcPts val="375"/>
+          <a:spcPts val="417"/>
+        </a:spcBef>
+        <a:buFont typeface="Arial" panose="020B0604020202020204" pitchFamily="34" charset="0"/>
+        <a:buChar char="•"/>
+        <a:defRPr sz="1667" kern="1200">
+          <a:solidFill>
+            <a:schemeClr val="tx1"/>
+          </a:solidFill>
+          <a:latin typeface="+mn-lt"/>
+          <a:ea typeface="+mn-ea"/>
+          <a:cs typeface="+mn-cs"/>
+        </a:defRPr>
+      </a:lvl3pPr>
+      <a:lvl4pPr marL="1333447" indent="-190492" algn="l" defTabSz="761970" rtl="0" eaLnBrk="1" latinLnBrk="0" hangingPunct="1">
+        <a:lnSpc>
+          <a:spcPct val="90000"/>
+        </a:lnSpc>
+        <a:spcBef>
+          <a:spcPts val="417"/>
         </a:spcBef>
         <a:buFont typeface="Arial" panose="020B0604020202020204" pitchFamily="34" charset="0"/>
         <a:buChar char="•"/>
@@ -2788,35 +2803,17 @@
           <a:ea typeface="+mn-ea"/>
           <a:cs typeface="+mn-cs"/>
         </a:defRPr>
-      </a:lvl3pPr>
-      <a:lvl4pPr marL="1200121" indent="-171446" algn="l" defTabSz="685783" rtl="0" eaLnBrk="1" latinLnBrk="0" hangingPunct="1">
+      </a:lvl4pPr>
+      <a:lvl5pPr marL="1714431" indent="-190492" algn="l" defTabSz="761970" rtl="0" eaLnBrk="1" latinLnBrk="0" hangingPunct="1">
         <a:lnSpc>
           <a:spcPct val="90000"/>
         </a:lnSpc>
         <a:spcBef>
-          <a:spcPts val="375"/>
+          <a:spcPts val="417"/>
         </a:spcBef>
         <a:buFont typeface="Arial" panose="020B0604020202020204" pitchFamily="34" charset="0"/>
         <a:buChar char="•"/>
-        <a:defRPr sz="1351" kern="1200">
-          <a:solidFill>
-            <a:schemeClr val="tx1"/>
-          </a:solidFill>
-          <a:latin typeface="+mn-lt"/>
-          <a:ea typeface="+mn-ea"/>
-          <a:cs typeface="+mn-cs"/>
-        </a:defRPr>
-      </a:lvl4pPr>
-      <a:lvl5pPr marL="1543012" indent="-171446" algn="l" defTabSz="685783" rtl="0" eaLnBrk="1" latinLnBrk="0" hangingPunct="1">
-        <a:lnSpc>
-          <a:spcPct val="90000"/>
-        </a:lnSpc>
-        <a:spcBef>
-          <a:spcPts val="375"/>
-        </a:spcBef>
-        <a:buFont typeface="Arial" panose="020B0604020202020204" pitchFamily="34" charset="0"/>
-        <a:buChar char="•"/>
-        <a:defRPr sz="1351" kern="1200">
+        <a:defRPr sz="1500" kern="1200">
           <a:solidFill>
             <a:schemeClr val="tx1"/>
           </a:solidFill>
@@ -2825,16 +2822,16 @@
           <a:cs typeface="+mn-cs"/>
         </a:defRPr>
       </a:lvl5pPr>
-      <a:lvl6pPr marL="1885904" indent="-171446" algn="l" defTabSz="685783" rtl="0" eaLnBrk="1" latinLnBrk="0" hangingPunct="1">
+      <a:lvl6pPr marL="2095416" indent="-190492" algn="l" defTabSz="761970" rtl="0" eaLnBrk="1" latinLnBrk="0" hangingPunct="1">
         <a:lnSpc>
           <a:spcPct val="90000"/>
         </a:lnSpc>
         <a:spcBef>
-          <a:spcPts val="375"/>
+          <a:spcPts val="417"/>
         </a:spcBef>
         <a:buFont typeface="Arial" panose="020B0604020202020204" pitchFamily="34" charset="0"/>
         <a:buChar char="•"/>
-        <a:defRPr sz="1351" kern="1200">
+        <a:defRPr sz="1500" kern="1200">
           <a:solidFill>
             <a:schemeClr val="tx1"/>
           </a:solidFill>
@@ -2843,16 +2840,16 @@
           <a:cs typeface="+mn-cs"/>
         </a:defRPr>
       </a:lvl6pPr>
-      <a:lvl7pPr marL="2228795" indent="-171446" algn="l" defTabSz="685783" rtl="0" eaLnBrk="1" latinLnBrk="0" hangingPunct="1">
+      <a:lvl7pPr marL="2476401" indent="-190492" algn="l" defTabSz="761970" rtl="0" eaLnBrk="1" latinLnBrk="0" hangingPunct="1">
         <a:lnSpc>
           <a:spcPct val="90000"/>
         </a:lnSpc>
         <a:spcBef>
-          <a:spcPts val="375"/>
+          <a:spcPts val="417"/>
         </a:spcBef>
         <a:buFont typeface="Arial" panose="020B0604020202020204" pitchFamily="34" charset="0"/>
         <a:buChar char="•"/>
-        <a:defRPr sz="1351" kern="1200">
+        <a:defRPr sz="1500" kern="1200">
           <a:solidFill>
             <a:schemeClr val="tx1"/>
           </a:solidFill>
@@ -2861,16 +2858,16 @@
           <a:cs typeface="+mn-cs"/>
         </a:defRPr>
       </a:lvl7pPr>
-      <a:lvl8pPr marL="2571686" indent="-171446" algn="l" defTabSz="685783" rtl="0" eaLnBrk="1" latinLnBrk="0" hangingPunct="1">
+      <a:lvl8pPr marL="2857386" indent="-190492" algn="l" defTabSz="761970" rtl="0" eaLnBrk="1" latinLnBrk="0" hangingPunct="1">
         <a:lnSpc>
           <a:spcPct val="90000"/>
         </a:lnSpc>
         <a:spcBef>
-          <a:spcPts val="375"/>
+          <a:spcPts val="417"/>
         </a:spcBef>
         <a:buFont typeface="Arial" panose="020B0604020202020204" pitchFamily="34" charset="0"/>
         <a:buChar char="•"/>
-        <a:defRPr sz="1351" kern="1200">
+        <a:defRPr sz="1500" kern="1200">
           <a:solidFill>
             <a:schemeClr val="tx1"/>
           </a:solidFill>
@@ -2879,16 +2876,16 @@
           <a:cs typeface="+mn-cs"/>
         </a:defRPr>
       </a:lvl8pPr>
-      <a:lvl9pPr marL="2914578" indent="-171446" algn="l" defTabSz="685783" rtl="0" eaLnBrk="1" latinLnBrk="0" hangingPunct="1">
+      <a:lvl9pPr marL="3238370" indent="-190492" algn="l" defTabSz="761970" rtl="0" eaLnBrk="1" latinLnBrk="0" hangingPunct="1">
         <a:lnSpc>
           <a:spcPct val="90000"/>
         </a:lnSpc>
         <a:spcBef>
-          <a:spcPts val="375"/>
+          <a:spcPts val="417"/>
         </a:spcBef>
         <a:buFont typeface="Arial" panose="020B0604020202020204" pitchFamily="34" charset="0"/>
         <a:buChar char="•"/>
-        <a:defRPr sz="1351" kern="1200">
+        <a:defRPr sz="1500" kern="1200">
           <a:solidFill>
             <a:schemeClr val="tx1"/>
           </a:solidFill>
@@ -2902,8 +2899,8 @@
       <a:defPPr>
         <a:defRPr lang="en-US"/>
       </a:defPPr>
-      <a:lvl1pPr marL="0" algn="l" defTabSz="685783" rtl="0" eaLnBrk="1" latinLnBrk="0" hangingPunct="1">
-        <a:defRPr sz="1351" kern="1200">
+      <a:lvl1pPr marL="0" algn="l" defTabSz="761970" rtl="0" eaLnBrk="1" latinLnBrk="0" hangingPunct="1">
+        <a:defRPr sz="1500" kern="1200">
           <a:solidFill>
             <a:schemeClr val="tx1"/>
           </a:solidFill>
@@ -2912,8 +2909,8 @@
           <a:cs typeface="+mn-cs"/>
         </a:defRPr>
       </a:lvl1pPr>
-      <a:lvl2pPr marL="342891" algn="l" defTabSz="685783" rtl="0" eaLnBrk="1" latinLnBrk="0" hangingPunct="1">
-        <a:defRPr sz="1351" kern="1200">
+      <a:lvl2pPr marL="380985" algn="l" defTabSz="761970" rtl="0" eaLnBrk="1" latinLnBrk="0" hangingPunct="1">
+        <a:defRPr sz="1500" kern="1200">
           <a:solidFill>
             <a:schemeClr val="tx1"/>
           </a:solidFill>
@@ -2922,8 +2919,8 @@
           <a:cs typeface="+mn-cs"/>
         </a:defRPr>
       </a:lvl2pPr>
-      <a:lvl3pPr marL="685783" algn="l" defTabSz="685783" rtl="0" eaLnBrk="1" latinLnBrk="0" hangingPunct="1">
-        <a:defRPr sz="1351" kern="1200">
+      <a:lvl3pPr marL="761970" algn="l" defTabSz="761970" rtl="0" eaLnBrk="1" latinLnBrk="0" hangingPunct="1">
+        <a:defRPr sz="1500" kern="1200">
           <a:solidFill>
             <a:schemeClr val="tx1"/>
           </a:solidFill>
@@ -2932,8 +2929,8 @@
           <a:cs typeface="+mn-cs"/>
         </a:defRPr>
       </a:lvl3pPr>
-      <a:lvl4pPr marL="1028674" algn="l" defTabSz="685783" rtl="0" eaLnBrk="1" latinLnBrk="0" hangingPunct="1">
-        <a:defRPr sz="1351" kern="1200">
+      <a:lvl4pPr marL="1142954" algn="l" defTabSz="761970" rtl="0" eaLnBrk="1" latinLnBrk="0" hangingPunct="1">
+        <a:defRPr sz="1500" kern="1200">
           <a:solidFill>
             <a:schemeClr val="tx1"/>
           </a:solidFill>
@@ -2942,8 +2939,8 @@
           <a:cs typeface="+mn-cs"/>
         </a:defRPr>
       </a:lvl4pPr>
-      <a:lvl5pPr marL="1371566" algn="l" defTabSz="685783" rtl="0" eaLnBrk="1" latinLnBrk="0" hangingPunct="1">
-        <a:defRPr sz="1351" kern="1200">
+      <a:lvl5pPr marL="1523939" algn="l" defTabSz="761970" rtl="0" eaLnBrk="1" latinLnBrk="0" hangingPunct="1">
+        <a:defRPr sz="1500" kern="1200">
           <a:solidFill>
             <a:schemeClr val="tx1"/>
           </a:solidFill>
@@ -2952,8 +2949,8 @@
           <a:cs typeface="+mn-cs"/>
         </a:defRPr>
       </a:lvl5pPr>
-      <a:lvl6pPr marL="1714457" algn="l" defTabSz="685783" rtl="0" eaLnBrk="1" latinLnBrk="0" hangingPunct="1">
-        <a:defRPr sz="1351" kern="1200">
+      <a:lvl6pPr marL="1904924" algn="l" defTabSz="761970" rtl="0" eaLnBrk="1" latinLnBrk="0" hangingPunct="1">
+        <a:defRPr sz="1500" kern="1200">
           <a:solidFill>
             <a:schemeClr val="tx1"/>
           </a:solidFill>
@@ -2962,8 +2959,8 @@
           <a:cs typeface="+mn-cs"/>
         </a:defRPr>
       </a:lvl6pPr>
-      <a:lvl7pPr marL="2057349" algn="l" defTabSz="685783" rtl="0" eaLnBrk="1" latinLnBrk="0" hangingPunct="1">
-        <a:defRPr sz="1351" kern="1200">
+      <a:lvl7pPr marL="2285909" algn="l" defTabSz="761970" rtl="0" eaLnBrk="1" latinLnBrk="0" hangingPunct="1">
+        <a:defRPr sz="1500" kern="1200">
           <a:solidFill>
             <a:schemeClr val="tx1"/>
           </a:solidFill>
@@ -2972,8 +2969,8 @@
           <a:cs typeface="+mn-cs"/>
         </a:defRPr>
       </a:lvl7pPr>
-      <a:lvl8pPr marL="2400240" algn="l" defTabSz="685783" rtl="0" eaLnBrk="1" latinLnBrk="0" hangingPunct="1">
-        <a:defRPr sz="1351" kern="1200">
+      <a:lvl8pPr marL="2666893" algn="l" defTabSz="761970" rtl="0" eaLnBrk="1" latinLnBrk="0" hangingPunct="1">
+        <a:defRPr sz="1500" kern="1200">
           <a:solidFill>
             <a:schemeClr val="tx1"/>
           </a:solidFill>
@@ -2982,8 +2979,8 @@
           <a:cs typeface="+mn-cs"/>
         </a:defRPr>
       </a:lvl8pPr>
-      <a:lvl9pPr marL="2743131" algn="l" defTabSz="685783" rtl="0" eaLnBrk="1" latinLnBrk="0" hangingPunct="1">
-        <a:defRPr sz="1351" kern="1200">
+      <a:lvl9pPr marL="3047878" algn="l" defTabSz="761970" rtl="0" eaLnBrk="1" latinLnBrk="0" hangingPunct="1">
+        <a:defRPr sz="1500" kern="1200">
           <a:solidFill>
             <a:schemeClr val="tx1"/>
           </a:solidFill>
@@ -3065,7 +3062,7 @@
         </p:nvSpPr>
         <p:spPr>
           <a:xfrm>
-            <a:off x="313766" y="408215"/>
+            <a:off x="821767" y="408215"/>
             <a:ext cx="8516471" cy="3408412"/>
           </a:xfrm>
         </p:spPr>
@@ -3100,7 +3097,7 @@
         </p:nvSpPr>
         <p:spPr>
           <a:xfrm>
-            <a:off x="1143000" y="3816627"/>
+            <a:off x="1651000" y="3816627"/>
             <a:ext cx="6858000" cy="1360492"/>
           </a:xfrm>
         </p:spPr>
@@ -3204,7 +3201,7 @@
         </p:nvSpPr>
         <p:spPr>
           <a:xfrm>
-            <a:off x="228600" y="309281"/>
+            <a:off x="736600" y="309282"/>
             <a:ext cx="8686800" cy="1295405"/>
           </a:xfrm>
         </p:spPr>
@@ -3254,7 +3251,7 @@
         </p:nvSpPr>
         <p:spPr>
           <a:xfrm>
-            <a:off x="228600" y="1604686"/>
+            <a:off x="736600" y="1604687"/>
             <a:ext cx="8686800" cy="3576915"/>
           </a:xfrm>
         </p:spPr>
@@ -3317,7 +3314,7 @@
         </p:nvSpPr>
         <p:spPr>
           <a:xfrm>
-            <a:off x="228600" y="5181601"/>
+            <a:off x="736600" y="5181601"/>
             <a:ext cx="8686800" cy="486210"/>
           </a:xfrm>
           <a:prstGeom prst="rect">
@@ -3493,7 +3490,7 @@
             </a:lvl9pPr>
           </a:lstStyle>
           <a:p>
-            <a:pPr marL="0" lvl="0" indent="0" algn="r">
+            <a:pPr marL="0" indent="0" algn="r">
               <a:buNone/>
             </a:pPr>
             <a:r>
@@ -3512,13 +3509,7 @@
               </a:rPr>
               <a:t> 1Co 12:12</a:t>
             </a:r>
-            <a:endParaRPr kumimoji="0" lang="es-VE" sz="1800" i="0" strike="noStrike" kern="1200" cap="none" spc="0" normalizeH="0" baseline="0" noProof="0" dirty="0">
-              <a:ln>
-                <a:noFill/>
-              </a:ln>
-              <a:effectLst/>
-              <a:uLnTx/>
-              <a:uFillTx/>
+            <a:endParaRPr lang="es-VE" sz="1800" dirty="0">
               <a:latin typeface="Calibri" panose="020F0502020204030204"/>
             </a:endParaRPr>
           </a:p>
@@ -3605,7 +3596,7 @@
         </p:nvSpPr>
         <p:spPr>
           <a:xfrm>
-            <a:off x="228600" y="309281"/>
+            <a:off x="736600" y="309282"/>
             <a:ext cx="8686800" cy="1295405"/>
           </a:xfrm>
         </p:spPr>
@@ -3655,7 +3646,7 @@
         </p:nvSpPr>
         <p:spPr>
           <a:xfrm>
-            <a:off x="228600" y="1604686"/>
+            <a:off x="736600" y="1604687"/>
             <a:ext cx="8686800" cy="3576915"/>
           </a:xfrm>
         </p:spPr>
@@ -3766,7 +3757,7 @@
         </p:nvSpPr>
         <p:spPr>
           <a:xfrm>
-            <a:off x="228600" y="5181601"/>
+            <a:off x="736600" y="5181601"/>
             <a:ext cx="8686800" cy="486210"/>
           </a:xfrm>
           <a:prstGeom prst="rect">
@@ -3942,7 +3933,7 @@
             </a:lvl9pPr>
           </a:lstStyle>
           <a:p>
-            <a:pPr marL="0" lvl="0" indent="0" algn="r">
+            <a:pPr marL="0" indent="0" algn="r">
               <a:buNone/>
             </a:pPr>
             <a:r>
@@ -4001,13 +3992,7 @@
               </a:rPr>
               <a:t>Efe 2:21, Efe 2:22; 1Co 3:16, 1Co 3:17</a:t>
             </a:r>
-            <a:endParaRPr kumimoji="0" lang="es-VE" sz="1800" i="0" strike="noStrike" kern="1200" cap="none" spc="0" normalizeH="0" baseline="0" noProof="0" dirty="0">
-              <a:ln>
-                <a:noFill/>
-              </a:ln>
-              <a:effectLst/>
-              <a:uLnTx/>
-              <a:uFillTx/>
+            <a:endParaRPr lang="es-VE" sz="1800" dirty="0">
               <a:latin typeface="Calibri" panose="020F0502020204030204"/>
             </a:endParaRPr>
           </a:p>
@@ -4094,7 +4079,7 @@
         </p:nvSpPr>
         <p:spPr>
           <a:xfrm>
-            <a:off x="228600" y="309281"/>
+            <a:off x="736600" y="309282"/>
             <a:ext cx="8686800" cy="1295405"/>
           </a:xfrm>
         </p:spPr>
@@ -4144,7 +4129,7 @@
         </p:nvSpPr>
         <p:spPr>
           <a:xfrm>
-            <a:off x="228600" y="1604686"/>
+            <a:off x="736600" y="1604687"/>
             <a:ext cx="8686800" cy="3576915"/>
           </a:xfrm>
         </p:spPr>
@@ -4223,7 +4208,7 @@
         </p:nvSpPr>
         <p:spPr>
           <a:xfrm>
-            <a:off x="228600" y="5181601"/>
+            <a:off x="736600" y="5181601"/>
             <a:ext cx="8686800" cy="486210"/>
           </a:xfrm>
           <a:prstGeom prst="rect">
@@ -4399,7 +4384,7 @@
             </a:lvl9pPr>
           </a:lstStyle>
           <a:p>
-            <a:pPr marL="0" lvl="0" indent="0" algn="r">
+            <a:pPr marL="0" indent="0" algn="r">
               <a:buNone/>
             </a:pPr>
             <a:r>
@@ -4466,13 +4451,7 @@
               </a:rPr>
               <a:t> 21:2</a:t>
             </a:r>
-            <a:endParaRPr kumimoji="0" lang="es-VE" sz="1800" i="0" strike="noStrike" kern="1200" cap="none" spc="0" normalizeH="0" baseline="0" noProof="0" dirty="0">
-              <a:ln>
-                <a:noFill/>
-              </a:ln>
-              <a:effectLst/>
-              <a:uLnTx/>
-              <a:uFillTx/>
+            <a:endParaRPr lang="es-VE" sz="1800" dirty="0">
               <a:latin typeface="Calibri" panose="020F0502020204030204"/>
             </a:endParaRPr>
           </a:p>
@@ -4559,7 +4538,7 @@
         </p:nvSpPr>
         <p:spPr>
           <a:xfrm>
-            <a:off x="313766" y="408214"/>
+            <a:off x="821767" y="408215"/>
             <a:ext cx="8516471" cy="4947557"/>
           </a:xfrm>
         </p:spPr>
@@ -4660,7 +4639,7 @@
         </p:nvSpPr>
         <p:spPr>
           <a:xfrm>
-            <a:off x="228600" y="309281"/>
+            <a:off x="736600" y="309282"/>
             <a:ext cx="8686800" cy="1295405"/>
           </a:xfrm>
         </p:spPr>
@@ -4703,7 +4682,7 @@
         </p:nvSpPr>
         <p:spPr>
           <a:xfrm>
-            <a:off x="228600" y="1604686"/>
+            <a:off x="736600" y="1604687"/>
             <a:ext cx="8686800" cy="3576915"/>
           </a:xfrm>
         </p:spPr>
@@ -4860,7 +4839,7 @@
         </p:nvSpPr>
         <p:spPr>
           <a:xfrm>
-            <a:off x="228600" y="309281"/>
+            <a:off x="736600" y="309282"/>
             <a:ext cx="8686800" cy="1295405"/>
           </a:xfrm>
         </p:spPr>
@@ -4914,7 +4893,7 @@
         </p:nvSpPr>
         <p:spPr>
           <a:xfrm>
-            <a:off x="228600" y="1604686"/>
+            <a:off x="736600" y="1604687"/>
             <a:ext cx="8686800" cy="3576915"/>
           </a:xfrm>
         </p:spPr>
@@ -5081,7 +5060,7 @@
         </p:nvSpPr>
         <p:spPr>
           <a:xfrm>
-            <a:off x="228600" y="5181601"/>
+            <a:off x="736600" y="5181601"/>
             <a:ext cx="8686800" cy="486210"/>
           </a:xfrm>
           <a:prstGeom prst="rect">
@@ -5257,7 +5236,7 @@
             </a:lvl9pPr>
           </a:lstStyle>
           <a:p>
-            <a:pPr marL="0" lvl="0" indent="0" algn="r">
+            <a:pPr marL="0" indent="0" algn="r">
               <a:buNone/>
             </a:pPr>
             <a:r>
@@ -5401,7 +5380,7 @@
         </p:nvSpPr>
         <p:spPr>
           <a:xfrm>
-            <a:off x="228600" y="309281"/>
+            <a:off x="736600" y="309282"/>
             <a:ext cx="8686800" cy="1295405"/>
           </a:xfrm>
         </p:spPr>
@@ -5455,7 +5434,7 @@
         </p:nvSpPr>
         <p:spPr>
           <a:xfrm>
-            <a:off x="228600" y="1604686"/>
+            <a:off x="736600" y="1604687"/>
             <a:ext cx="8686800" cy="3576915"/>
           </a:xfrm>
         </p:spPr>
@@ -5614,7 +5593,7 @@
         </p:nvSpPr>
         <p:spPr>
           <a:xfrm>
-            <a:off x="228600" y="5181601"/>
+            <a:off x="736600" y="5181601"/>
             <a:ext cx="8686800" cy="486210"/>
           </a:xfrm>
           <a:prstGeom prst="rect">
@@ -5790,7 +5769,7 @@
             </a:lvl9pPr>
           </a:lstStyle>
           <a:p>
-            <a:pPr marL="0" lvl="0" indent="0" algn="r">
+            <a:pPr marL="0" indent="0" algn="r">
               <a:buNone/>
             </a:pPr>
             <a:r>
@@ -5926,7 +5905,7 @@
         </p:nvSpPr>
         <p:spPr>
           <a:xfrm>
-            <a:off x="228600" y="309281"/>
+            <a:off x="736600" y="309282"/>
             <a:ext cx="8686800" cy="1295405"/>
           </a:xfrm>
         </p:spPr>
@@ -5980,7 +5959,7 @@
         </p:nvSpPr>
         <p:spPr>
           <a:xfrm>
-            <a:off x="228600" y="1604686"/>
+            <a:off x="736600" y="1604687"/>
             <a:ext cx="8686800" cy="3576915"/>
           </a:xfrm>
         </p:spPr>
@@ -6104,7 +6083,7 @@
         </p:nvSpPr>
         <p:spPr>
           <a:xfrm>
-            <a:off x="228600" y="5181601"/>
+            <a:off x="736600" y="5181601"/>
             <a:ext cx="8686800" cy="486210"/>
           </a:xfrm>
           <a:prstGeom prst="rect">
@@ -6280,7 +6259,7 @@
             </a:lvl9pPr>
           </a:lstStyle>
           <a:p>
-            <a:pPr marL="0" lvl="0" indent="0" algn="r">
+            <a:pPr marL="0" indent="0" algn="r">
               <a:buNone/>
             </a:pPr>
             <a:r>
@@ -6424,7 +6403,7 @@
         </p:nvSpPr>
         <p:spPr>
           <a:xfrm>
-            <a:off x="228600" y="309281"/>
+            <a:off x="736600" y="309282"/>
             <a:ext cx="8686800" cy="1295405"/>
           </a:xfrm>
         </p:spPr>
@@ -6475,7 +6454,7 @@
         </p:nvSpPr>
         <p:spPr>
           <a:xfrm>
-            <a:off x="228600" y="1604686"/>
+            <a:off x="736600" y="1604687"/>
             <a:ext cx="8686800" cy="3576915"/>
           </a:xfrm>
         </p:spPr>
@@ -6603,7 +6582,7 @@
         </p:nvSpPr>
         <p:spPr>
           <a:xfrm>
-            <a:off x="313766" y="408214"/>
+            <a:off x="821767" y="408215"/>
             <a:ext cx="8516471" cy="4947557"/>
           </a:xfrm>
         </p:spPr>
@@ -6704,7 +6683,7 @@
         </p:nvSpPr>
         <p:spPr>
           <a:xfrm>
-            <a:off x="391885" y="573576"/>
+            <a:off x="899885" y="573576"/>
             <a:ext cx="8360230" cy="714892"/>
           </a:xfrm>
         </p:spPr>
@@ -6739,7 +6718,7 @@
         </p:nvSpPr>
         <p:spPr>
           <a:xfrm>
-            <a:off x="391887" y="1288468"/>
+            <a:off x="899887" y="1288469"/>
             <a:ext cx="8360228" cy="4210401"/>
           </a:xfrm>
         </p:spPr>
@@ -6876,7 +6855,7 @@
         </p:nvSpPr>
         <p:spPr>
           <a:xfrm>
-            <a:off x="228600" y="309281"/>
+            <a:off x="736600" y="309282"/>
             <a:ext cx="8686800" cy="1498737"/>
           </a:xfrm>
         </p:spPr>
@@ -6930,7 +6909,7 @@
         </p:nvSpPr>
         <p:spPr>
           <a:xfrm>
-            <a:off x="228600" y="1808018"/>
+            <a:off x="736600" y="1808019"/>
             <a:ext cx="8686800" cy="3373583"/>
           </a:xfrm>
         </p:spPr>
@@ -7010,7 +6989,7 @@
         </p:nvSpPr>
         <p:spPr>
           <a:xfrm>
-            <a:off x="228600" y="5181601"/>
+            <a:off x="736600" y="5181601"/>
             <a:ext cx="8686800" cy="486210"/>
           </a:xfrm>
           <a:prstGeom prst="rect">
@@ -7186,7 +7165,7 @@
             </a:lvl9pPr>
           </a:lstStyle>
           <a:p>
-            <a:pPr marL="0" lvl="0" indent="0" algn="r">
+            <a:pPr marL="0" indent="0" algn="r">
               <a:buNone/>
             </a:pPr>
             <a:r>
@@ -7285,7 +7264,7 @@
         </p:nvSpPr>
         <p:spPr>
           <a:xfrm>
-            <a:off x="228600" y="309281"/>
+            <a:off x="736600" y="309282"/>
             <a:ext cx="8686800" cy="1498737"/>
           </a:xfrm>
         </p:spPr>
@@ -7339,7 +7318,7 @@
         </p:nvSpPr>
         <p:spPr>
           <a:xfrm>
-            <a:off x="228600" y="1808018"/>
+            <a:off x="736600" y="1808019"/>
             <a:ext cx="8686800" cy="3373583"/>
           </a:xfrm>
         </p:spPr>
@@ -7407,7 +7386,7 @@
         </p:nvSpPr>
         <p:spPr>
           <a:xfrm>
-            <a:off x="228600" y="5181601"/>
+            <a:off x="736600" y="5181601"/>
             <a:ext cx="8686800" cy="486210"/>
           </a:xfrm>
           <a:prstGeom prst="rect">
@@ -7583,71 +7562,34 @@
             </a:lvl9pPr>
           </a:lstStyle>
           <a:p>
-            <a:pPr marL="0" marR="0" lvl="0" indent="0" algn="r" defTabSz="685783" rtl="0" eaLnBrk="1" fontAlgn="auto" latinLnBrk="0" hangingPunct="1">
-              <a:lnSpc>
-                <a:spcPct val="90000"/>
-              </a:lnSpc>
-              <a:spcBef>
-                <a:spcPts val="751"/>
-              </a:spcBef>
-              <a:spcAft>
-                <a:spcPts val="0"/>
-              </a:spcAft>
-              <a:buClrTx/>
-              <a:buSzTx/>
-              <a:buFont typeface="Arial" panose="020B0604020202020204" pitchFamily="34" charset="0"/>
-              <a:buNone/>
-              <a:tabLst/>
+            <a:pPr marL="0" indent="0" algn="r">
+              <a:buNone/>
               <a:defRPr/>
             </a:pPr>
             <a:r>
-              <a:rPr kumimoji="0" lang="es-VE" sz="1800" b="1" i="0" u="none" strike="noStrike" kern="1200" cap="none" spc="0" normalizeH="0" baseline="0" noProof="0" dirty="0">
-                <a:ln>
-                  <a:noFill/>
-                </a:ln>
+              <a:rPr lang="es-VE" sz="1800" b="1" dirty="0">
                 <a:solidFill>
                   <a:srgbClr val="FFC000"/>
                 </a:solidFill>
-                <a:effectLst/>
-                <a:uLnTx/>
-                <a:uFillTx/>
                 <a:latin typeface="Calibri"/>
-                <a:ea typeface="+mn-ea"/>
-                <a:cs typeface="+mn-cs"/>
               </a:rPr>
               <a:t>[1] </a:t>
             </a:r>
             <a:r>
-              <a:rPr kumimoji="0" lang="es-VE" sz="1800" b="0" i="0" u="none" strike="noStrike" kern="1200" cap="none" spc="0" normalizeH="0" baseline="0" noProof="0" dirty="0" err="1">
-                <a:ln>
-                  <a:noFill/>
-                </a:ln>
+              <a:rPr lang="es-VE" sz="1800" dirty="0" err="1">
                 <a:solidFill>
                   <a:prstClr val="white"/>
                 </a:solidFill>
-                <a:effectLst/>
-                <a:uLnTx/>
-                <a:uFillTx/>
                 <a:latin typeface="Calibri"/>
-                <a:ea typeface="+mn-ea"/>
-                <a:cs typeface="+mn-cs"/>
               </a:rPr>
               <a:t>Hch</a:t>
             </a:r>
             <a:r>
-              <a:rPr kumimoji="0" lang="es-VE" sz="1800" b="0" i="0" u="none" strike="noStrike" kern="1200" cap="none" spc="0" normalizeH="0" baseline="0" noProof="0" dirty="0">
-                <a:ln>
-                  <a:noFill/>
-                </a:ln>
+              <a:rPr lang="es-VE" sz="1800" dirty="0">
                 <a:solidFill>
                   <a:prstClr val="white"/>
                 </a:solidFill>
-                <a:effectLst/>
-                <a:uLnTx/>
-                <a:uFillTx/>
                 <a:latin typeface="Calibri"/>
-                <a:ea typeface="+mn-ea"/>
-                <a:cs typeface="+mn-cs"/>
               </a:rPr>
               <a:t> 8:37</a:t>
             </a:r>
@@ -7735,7 +7677,7 @@
         </p:nvSpPr>
         <p:spPr>
           <a:xfrm>
-            <a:off x="228600" y="309281"/>
+            <a:off x="736600" y="309282"/>
             <a:ext cx="8686800" cy="1498737"/>
           </a:xfrm>
         </p:spPr>
@@ -7789,7 +7731,7 @@
         </p:nvSpPr>
         <p:spPr>
           <a:xfrm>
-            <a:off x="228600" y="1808018"/>
+            <a:off x="736600" y="1808019"/>
             <a:ext cx="8686800" cy="3373583"/>
           </a:xfrm>
         </p:spPr>
@@ -7910,7 +7852,7 @@
         </p:nvSpPr>
         <p:spPr>
           <a:xfrm>
-            <a:off x="228600" y="309281"/>
+            <a:off x="736600" y="309282"/>
             <a:ext cx="8686800" cy="1498737"/>
           </a:xfrm>
         </p:spPr>
@@ -7964,7 +7906,7 @@
         </p:nvSpPr>
         <p:spPr>
           <a:xfrm>
-            <a:off x="228600" y="1808018"/>
+            <a:off x="736600" y="1808019"/>
             <a:ext cx="8686800" cy="3373583"/>
           </a:xfrm>
         </p:spPr>
@@ -8096,7 +8038,7 @@
         </p:nvSpPr>
         <p:spPr>
           <a:xfrm>
-            <a:off x="228600" y="309281"/>
+            <a:off x="736600" y="309282"/>
             <a:ext cx="8686800" cy="1498737"/>
           </a:xfrm>
         </p:spPr>
@@ -8143,7 +8085,7 @@
         </p:nvSpPr>
         <p:spPr>
           <a:xfrm>
-            <a:off x="228600" y="1808018"/>
+            <a:off x="736600" y="1808019"/>
             <a:ext cx="8686800" cy="3373583"/>
           </a:xfrm>
         </p:spPr>
@@ -8264,7 +8206,7 @@
         </p:nvSpPr>
         <p:spPr>
           <a:xfrm>
-            <a:off x="228600" y="309281"/>
+            <a:off x="736600" y="309282"/>
             <a:ext cx="8686800" cy="1498737"/>
           </a:xfrm>
         </p:spPr>
@@ -8318,7 +8260,7 @@
         </p:nvSpPr>
         <p:spPr>
           <a:xfrm>
-            <a:off x="228600" y="1808018"/>
+            <a:off x="736600" y="1808019"/>
             <a:ext cx="8686800" cy="3373583"/>
           </a:xfrm>
         </p:spPr>
@@ -8443,7 +8385,7 @@
         </p:nvSpPr>
         <p:spPr>
           <a:xfrm>
-            <a:off x="228600" y="309281"/>
+            <a:off x="736600" y="309282"/>
             <a:ext cx="8686800" cy="1498737"/>
           </a:xfrm>
         </p:spPr>
@@ -8497,13 +8439,13 @@
         </p:nvSpPr>
         <p:spPr>
           <a:xfrm>
-            <a:off x="228600" y="1808018"/>
+            <a:off x="736600" y="1808019"/>
             <a:ext cx="8686800" cy="3373583"/>
           </a:xfrm>
         </p:spPr>
         <p:txBody>
           <a:bodyPr anchor="ctr">
-            <a:normAutofit lnSpcReduction="10000"/>
+            <a:normAutofit fontScale="92500" lnSpcReduction="10000"/>
           </a:bodyPr>
           <a:lstStyle/>
           <a:p>
@@ -8630,7 +8572,7 @@
         </p:nvSpPr>
         <p:spPr>
           <a:xfrm>
-            <a:off x="228600" y="5181601"/>
+            <a:off x="736600" y="5181601"/>
             <a:ext cx="8686800" cy="486210"/>
           </a:xfrm>
           <a:prstGeom prst="rect">
@@ -8806,7 +8748,7 @@
             </a:lvl9pPr>
           </a:lstStyle>
           <a:p>
-            <a:pPr marL="0" lvl="0" indent="0" algn="r">
+            <a:pPr marL="0" indent="0" algn="r">
               <a:buNone/>
             </a:pPr>
             <a:r>
@@ -8925,7 +8867,7 @@
         </p:nvSpPr>
         <p:spPr>
           <a:xfrm>
-            <a:off x="228600" y="309281"/>
+            <a:off x="736600" y="309282"/>
             <a:ext cx="8686800" cy="1498737"/>
           </a:xfrm>
         </p:spPr>
@@ -8979,7 +8921,7 @@
         </p:nvSpPr>
         <p:spPr>
           <a:xfrm>
-            <a:off x="228600" y="1808018"/>
+            <a:off x="736600" y="1808019"/>
             <a:ext cx="8686800" cy="3373583"/>
           </a:xfrm>
         </p:spPr>
@@ -9092,7 +9034,7 @@
         </p:nvSpPr>
         <p:spPr>
           <a:xfrm>
-            <a:off x="228600" y="5181601"/>
+            <a:off x="736600" y="5181601"/>
             <a:ext cx="8686800" cy="486210"/>
           </a:xfrm>
           <a:prstGeom prst="rect">
@@ -9268,7 +9210,7 @@
             </a:lvl9pPr>
           </a:lstStyle>
           <a:p>
-            <a:pPr marL="0" lvl="0" indent="0" algn="r">
+            <a:pPr marL="0" indent="0" algn="r">
               <a:buNone/>
             </a:pPr>
             <a:r>
@@ -9423,8 +9365,8 @@
         </p:nvSpPr>
         <p:spPr>
           <a:xfrm>
-            <a:off x="0" y="1"/>
-            <a:ext cx="9144000" cy="1192306"/>
+            <a:off x="101600" y="195948"/>
+            <a:ext cx="9956800" cy="1192306"/>
           </a:xfrm>
         </p:spPr>
         <p:txBody>
@@ -9477,13 +9419,13 @@
         </p:nvSpPr>
         <p:spPr>
           <a:xfrm>
-            <a:off x="0" y="1192307"/>
-            <a:ext cx="9144000" cy="4246959"/>
+            <a:off x="101600" y="1427584"/>
+            <a:ext cx="9956800" cy="4011683"/>
           </a:xfrm>
         </p:spPr>
         <p:txBody>
           <a:bodyPr anchor="ctr">
-            <a:normAutofit fontScale="92500" lnSpcReduction="10000"/>
+            <a:normAutofit lnSpcReduction="10000"/>
           </a:bodyPr>
           <a:lstStyle/>
           <a:p>
@@ -9526,12 +9468,13 @@
               <a:rPr lang="es-VE" sz="1800" dirty="0"/>
               <a:t>, porque ninguno es digno de la infinita Misericordia de Dios.</a:t>
             </a:r>
+            <a:endParaRPr lang="es-VE" sz="100" dirty="0"/>
           </a:p>
           <a:p>
             <a:pPr marL="0" indent="0">
               <a:buNone/>
             </a:pPr>
-            <a:endParaRPr lang="es-VE" sz="1800" dirty="0"/>
+            <a:endParaRPr lang="es-VE" sz="100" dirty="0"/>
           </a:p>
           <a:p>
             <a:pPr marL="0" indent="0">
@@ -9577,12 +9520,13 @@
               <a:rPr lang="es-VE" sz="1800" dirty="0"/>
               <a:t>. Pablo se describe a sí mismo como el primero de los pecadores.</a:t>
             </a:r>
+            <a:endParaRPr lang="es-VE" sz="100" dirty="0"/>
           </a:p>
           <a:p>
             <a:pPr marL="0" indent="0">
               <a:buNone/>
             </a:pPr>
-            <a:endParaRPr lang="es-VE" sz="1800" dirty="0"/>
+            <a:endParaRPr lang="es-VE" sz="100" dirty="0"/>
           </a:p>
           <a:p>
             <a:pPr marL="0" indent="0">
@@ -9616,7 +9560,7 @@
         </p:nvSpPr>
         <p:spPr>
           <a:xfrm>
-            <a:off x="0" y="5439266"/>
+            <a:off x="508000" y="5439266"/>
             <a:ext cx="9144000" cy="275734"/>
           </a:xfrm>
           <a:prstGeom prst="rect">
@@ -9792,7 +9736,7 @@
             </a:lvl9pPr>
           </a:lstStyle>
           <a:p>
-            <a:pPr marL="0" lvl="0" indent="0" algn="r">
+            <a:pPr marL="0" indent="0" algn="r">
               <a:buNone/>
             </a:pPr>
             <a:r>
@@ -9891,7 +9835,7 @@
         </p:nvSpPr>
         <p:spPr>
           <a:xfrm>
-            <a:off x="228600" y="309281"/>
+            <a:off x="736600" y="309282"/>
             <a:ext cx="8686800" cy="1160931"/>
           </a:xfrm>
         </p:spPr>
@@ -9934,7 +9878,7 @@
         </p:nvSpPr>
         <p:spPr>
           <a:xfrm>
-            <a:off x="228600" y="1604686"/>
+            <a:off x="736600" y="1604687"/>
             <a:ext cx="8686800" cy="3576915"/>
           </a:xfrm>
         </p:spPr>
@@ -10088,7 +10032,7 @@
         </p:nvSpPr>
         <p:spPr>
           <a:xfrm>
-            <a:off x="228600" y="5181601"/>
+            <a:off x="736600" y="5181601"/>
             <a:ext cx="8686800" cy="486210"/>
           </a:xfrm>
           <a:prstGeom prst="rect">
@@ -10264,23 +10208,15 @@
             </a:lvl9pPr>
           </a:lstStyle>
           <a:p>
-            <a:pPr marL="0" lvl="0" indent="0" algn="r">
+            <a:pPr marL="0" indent="0" algn="r">
               <a:buNone/>
             </a:pPr>
             <a:r>
-              <a:rPr kumimoji="0" lang="es-VE" sz="1800" b="1" i="0" u="none" strike="noStrike" kern="1200" cap="none" spc="0" normalizeH="0" baseline="0" noProof="0" dirty="0">
-                <a:ln>
-                  <a:noFill/>
-                </a:ln>
+              <a:rPr lang="es-VE" sz="1800" b="1" dirty="0">
                 <a:solidFill>
                   <a:srgbClr val="FFC000"/>
                 </a:solidFill>
-                <a:effectLst/>
-                <a:uLnTx/>
-                <a:uFillTx/>
                 <a:latin typeface="Calibri" panose="020F0502020204030204"/>
-                <a:ea typeface="+mn-ea"/>
-                <a:cs typeface="+mn-cs"/>
               </a:rPr>
               <a:t>[1</a:t>
             </a:r>
@@ -10300,13 +10236,7 @@
               </a:rPr>
               <a:t>Efe 5:25</a:t>
             </a:r>
-            <a:endParaRPr kumimoji="0" lang="es-VE" sz="1800" i="0" strike="noStrike" kern="1200" cap="none" spc="0" normalizeH="0" baseline="0" noProof="0" dirty="0">
-              <a:ln>
-                <a:noFill/>
-              </a:ln>
-              <a:effectLst/>
-              <a:uLnTx/>
-              <a:uFillTx/>
+            <a:endParaRPr lang="es-VE" sz="1800" dirty="0">
               <a:latin typeface="Calibri" panose="020F0502020204030204"/>
             </a:endParaRPr>
           </a:p>
@@ -10393,7 +10323,7 @@
         </p:nvSpPr>
         <p:spPr>
           <a:xfrm>
-            <a:off x="228600" y="309281"/>
+            <a:off x="736600" y="309282"/>
             <a:ext cx="8686800" cy="1295405"/>
           </a:xfrm>
         </p:spPr>
@@ -10443,7 +10373,7 @@
         </p:nvSpPr>
         <p:spPr>
           <a:xfrm>
-            <a:off x="228600" y="1604686"/>
+            <a:off x="736600" y="1604687"/>
             <a:ext cx="8686800" cy="3576915"/>
           </a:xfrm>
         </p:spPr>
@@ -10484,7 +10414,7 @@
         </p:nvSpPr>
         <p:spPr>
           <a:xfrm>
-            <a:off x="228600" y="5181601"/>
+            <a:off x="736600" y="5181601"/>
             <a:ext cx="8686800" cy="486210"/>
           </a:xfrm>
           <a:prstGeom prst="rect">
@@ -10660,16 +10590,10 @@
             </a:lvl9pPr>
           </a:lstStyle>
           <a:p>
-            <a:pPr marL="0" lvl="0" indent="0" algn="r">
+            <a:pPr marL="0" indent="0" algn="r">
               <a:buNone/>
             </a:pPr>
-            <a:endParaRPr kumimoji="0" lang="es-VE" sz="1800" i="0" strike="noStrike" kern="1200" cap="none" spc="0" normalizeH="0" baseline="0" noProof="0" dirty="0">
-              <a:ln>
-                <a:noFill/>
-              </a:ln>
-              <a:effectLst/>
-              <a:uLnTx/>
-              <a:uFillTx/>
+            <a:endParaRPr lang="es-VE" sz="1800" dirty="0">
               <a:latin typeface="Calibri" panose="020F0502020204030204"/>
             </a:endParaRPr>
           </a:p>
@@ -10756,7 +10680,7 @@
         </p:nvSpPr>
         <p:spPr>
           <a:xfrm>
-            <a:off x="228600" y="309281"/>
+            <a:off x="736600" y="309282"/>
             <a:ext cx="8686800" cy="1295405"/>
           </a:xfrm>
         </p:spPr>
@@ -10806,7 +10730,7 @@
         </p:nvSpPr>
         <p:spPr>
           <a:xfrm>
-            <a:off x="228600" y="1604686"/>
+            <a:off x="736600" y="1604687"/>
             <a:ext cx="8686800" cy="3576915"/>
           </a:xfrm>
         </p:spPr>
@@ -10847,7 +10771,7 @@
         </p:nvSpPr>
         <p:spPr>
           <a:xfrm>
-            <a:off x="228600" y="5181601"/>
+            <a:off x="736600" y="5181601"/>
             <a:ext cx="8686800" cy="486210"/>
           </a:xfrm>
           <a:prstGeom prst="rect">
@@ -11023,16 +10947,10 @@
             </a:lvl9pPr>
           </a:lstStyle>
           <a:p>
-            <a:pPr marL="0" lvl="0" indent="0" algn="r">
+            <a:pPr marL="0" indent="0" algn="r">
               <a:buNone/>
             </a:pPr>
-            <a:endParaRPr kumimoji="0" lang="es-VE" sz="1800" i="0" strike="noStrike" kern="1200" cap="none" spc="0" normalizeH="0" baseline="0" noProof="0" dirty="0">
-              <a:ln>
-                <a:noFill/>
-              </a:ln>
-              <a:effectLst/>
-              <a:uLnTx/>
-              <a:uFillTx/>
+            <a:endParaRPr lang="es-VE" sz="1800" dirty="0">
               <a:latin typeface="Calibri" panose="020F0502020204030204"/>
             </a:endParaRPr>
           </a:p>
@@ -11119,7 +11037,7 @@
         </p:nvSpPr>
         <p:spPr>
           <a:xfrm>
-            <a:off x="228600" y="309281"/>
+            <a:off x="736600" y="309282"/>
             <a:ext cx="8686800" cy="1295405"/>
           </a:xfrm>
         </p:spPr>
@@ -11169,7 +11087,7 @@
         </p:nvSpPr>
         <p:spPr>
           <a:xfrm>
-            <a:off x="228600" y="1604686"/>
+            <a:off x="736600" y="1604687"/>
             <a:ext cx="8686800" cy="3576915"/>
           </a:xfrm>
         </p:spPr>
@@ -11210,7 +11128,7 @@
         </p:nvSpPr>
         <p:spPr>
           <a:xfrm>
-            <a:off x="228600" y="5181601"/>
+            <a:off x="736600" y="5181601"/>
             <a:ext cx="8686800" cy="486210"/>
           </a:xfrm>
           <a:prstGeom prst="rect">
@@ -11386,16 +11304,10 @@
             </a:lvl9pPr>
           </a:lstStyle>
           <a:p>
-            <a:pPr marL="0" lvl="0" indent="0" algn="r">
+            <a:pPr marL="0" indent="0" algn="r">
               <a:buNone/>
             </a:pPr>
-            <a:endParaRPr kumimoji="0" lang="es-VE" sz="1800" i="0" strike="noStrike" kern="1200" cap="none" spc="0" normalizeH="0" baseline="0" noProof="0" dirty="0">
-              <a:ln>
-                <a:noFill/>
-              </a:ln>
-              <a:effectLst/>
-              <a:uLnTx/>
-              <a:uFillTx/>
+            <a:endParaRPr lang="es-VE" sz="1800" dirty="0">
               <a:latin typeface="Calibri" panose="020F0502020204030204"/>
             </a:endParaRPr>
           </a:p>
@@ -11482,7 +11394,7 @@
         </p:nvSpPr>
         <p:spPr>
           <a:xfrm>
-            <a:off x="228600" y="309281"/>
+            <a:off x="736600" y="309282"/>
             <a:ext cx="8686800" cy="1295405"/>
           </a:xfrm>
         </p:spPr>
@@ -11532,7 +11444,7 @@
         </p:nvSpPr>
         <p:spPr>
           <a:xfrm>
-            <a:off x="228600" y="1604686"/>
+            <a:off x="736600" y="1604687"/>
             <a:ext cx="8686800" cy="3576915"/>
           </a:xfrm>
         </p:spPr>
@@ -11572,7 +11484,7 @@
         </p:nvSpPr>
         <p:spPr>
           <a:xfrm>
-            <a:off x="228600" y="5181601"/>
+            <a:off x="736600" y="5181601"/>
             <a:ext cx="8686800" cy="486210"/>
           </a:xfrm>
           <a:prstGeom prst="rect">
@@ -11748,16 +11660,10 @@
             </a:lvl9pPr>
           </a:lstStyle>
           <a:p>
-            <a:pPr marL="0" lvl="0" indent="0" algn="r">
+            <a:pPr marL="0" indent="0" algn="r">
               <a:buNone/>
             </a:pPr>
-            <a:endParaRPr kumimoji="0" lang="es-VE" sz="1800" i="0" strike="noStrike" kern="1200" cap="none" spc="0" normalizeH="0" baseline="0" noProof="0" dirty="0">
-              <a:ln>
-                <a:noFill/>
-              </a:ln>
-              <a:effectLst/>
-              <a:uLnTx/>
-              <a:uFillTx/>
+            <a:endParaRPr lang="es-VE" sz="1800" dirty="0">
               <a:latin typeface="Calibri" panose="020F0502020204030204"/>
             </a:endParaRPr>
           </a:p>
@@ -11844,7 +11750,7 @@
         </p:nvSpPr>
         <p:spPr>
           <a:xfrm>
-            <a:off x="228600" y="309281"/>
+            <a:off x="736600" y="309282"/>
             <a:ext cx="8686800" cy="1295405"/>
           </a:xfrm>
         </p:spPr>
@@ -11894,7 +11800,7 @@
         </p:nvSpPr>
         <p:spPr>
           <a:xfrm>
-            <a:off x="228600" y="1604686"/>
+            <a:off x="736600" y="1604687"/>
             <a:ext cx="8686800" cy="3576915"/>
           </a:xfrm>
         </p:spPr>
@@ -11934,7 +11840,7 @@
         </p:nvSpPr>
         <p:spPr>
           <a:xfrm>
-            <a:off x="228600" y="5181601"/>
+            <a:off x="736600" y="5181601"/>
             <a:ext cx="8686800" cy="486210"/>
           </a:xfrm>
           <a:prstGeom prst="rect">
@@ -12110,16 +12016,10 @@
             </a:lvl9pPr>
           </a:lstStyle>
           <a:p>
-            <a:pPr marL="0" lvl="0" indent="0" algn="r">
+            <a:pPr marL="0" indent="0" algn="r">
               <a:buNone/>
             </a:pPr>
-            <a:endParaRPr kumimoji="0" lang="es-VE" sz="1800" i="0" strike="noStrike" kern="1200" cap="none" spc="0" normalizeH="0" baseline="0" noProof="0" dirty="0">
-              <a:ln>
-                <a:noFill/>
-              </a:ln>
-              <a:effectLst/>
-              <a:uLnTx/>
-              <a:uFillTx/>
+            <a:endParaRPr lang="es-VE" sz="1800" dirty="0">
               <a:latin typeface="Calibri" panose="020F0502020204030204"/>
             </a:endParaRPr>
           </a:p>
@@ -12206,7 +12106,7 @@
         </p:nvSpPr>
         <p:spPr>
           <a:xfrm>
-            <a:off x="228600" y="309281"/>
+            <a:off x="736600" y="309282"/>
             <a:ext cx="8686800" cy="1295405"/>
           </a:xfrm>
         </p:spPr>
@@ -12256,7 +12156,7 @@
         </p:nvSpPr>
         <p:spPr>
           <a:xfrm>
-            <a:off x="228600" y="1604686"/>
+            <a:off x="736600" y="1604687"/>
             <a:ext cx="8686800" cy="3576915"/>
           </a:xfrm>
         </p:spPr>
@@ -12312,7 +12212,7 @@
         </p:nvSpPr>
         <p:spPr>
           <a:xfrm>
-            <a:off x="228600" y="5181601"/>
+            <a:off x="736600" y="5181601"/>
             <a:ext cx="8686800" cy="486210"/>
           </a:xfrm>
           <a:prstGeom prst="rect">
@@ -12488,7 +12388,7 @@
             </a:lvl9pPr>
           </a:lstStyle>
           <a:p>
-            <a:pPr marL="0" lvl="0" indent="0" algn="r">
+            <a:pPr marL="0" indent="0" algn="r">
               <a:buNone/>
             </a:pPr>
             <a:r>
@@ -12523,13 +12423,7 @@
               </a:rPr>
               <a:t> 22:4</a:t>
             </a:r>
-            <a:endParaRPr kumimoji="0" lang="es-VE" sz="1800" i="0" strike="noStrike" kern="1200" cap="none" spc="0" normalizeH="0" baseline="0" noProof="0" dirty="0">
-              <a:ln>
-                <a:noFill/>
-              </a:ln>
-              <a:effectLst/>
-              <a:uLnTx/>
-              <a:uFillTx/>
+            <a:endParaRPr lang="es-VE" sz="1800" dirty="0">
               <a:latin typeface="Calibri" panose="020F0502020204030204"/>
             </a:endParaRPr>
           </a:p>
@@ -12549,7 +12443,7 @@
 </file>
 
 <file path=ppt/theme/theme1.xml><?xml version="1.0" encoding="utf-8"?>
-<a:theme xmlns:a="http://schemas.openxmlformats.org/drawingml/2006/main" name="Office Theme">
+<a:theme xmlns:a="http://schemas.openxmlformats.org/drawingml/2006/main" name="Tema de Office">
   <a:themeElements>
     <a:clrScheme name="Tema de Office">
       <a:dk1>
@@ -12591,7 +12485,7 @@
     </a:clrScheme>
     <a:fontScheme name="Tema de Office">
       <a:majorFont>
-        <a:latin typeface="Calibri Light"/>
+        <a:latin typeface="Calibri Light" panose="020F0302020204030204"/>
         <a:ea typeface=""/>
         <a:cs typeface=""/>
         <a:font script="Jpan" typeface="游ゴシック Light"/>
@@ -12626,7 +12520,7 @@
         <a:font script="Geor" typeface="Sylfaen"/>
       </a:majorFont>
       <a:minorFont>
-        <a:latin typeface="Calibri"/>
+        <a:latin typeface="Calibri" panose="020F0502020204030204"/>
         <a:ea typeface=""/>
         <a:cs typeface=""/>
         <a:font script="Jpan" typeface="游ゴシック"/>
@@ -12803,7 +12697,7 @@
   <a:extraClrSchemeLst/>
   <a:extLst>
     <a:ext uri="{05A4C25C-085E-4340-85A3-A5531E510DB2}">
-      <thm15:themeFamily xmlns:thm15="http://schemas.microsoft.com/office/thememl/2012/main" name="Office Theme" id="{62F939B6-93AF-4DB8-9C6B-D6C7DFDC589F}" vid="{3E4F19A7-A959-40BB-972C-4880BAF8EB09}"/>
+      <thm15:themeFamily xmlns:thm15="http://schemas.microsoft.com/office/thememl/2012/main" name="Office Theme 2013 - 2022" id="{62F939B6-93AF-4DB8-9C6B-D6C7DFDC589F}" vid="{3E4F19A7-A959-40BB-972C-4880BAF8EB09}"/>
     </a:ext>
   </a:extLst>
 </a:theme>
